--- a/self-tutorial/ICU_Mortality_XGBoost_Report.pptx
+++ b/self-tutorial/ICU_Mortality_XGBoost_Report.pptx
@@ -5,20 +5,21 @@
     <p:sldMasterId id="2147483648" r:id="rId1"/>
   </p:sldMasterIdLst>
   <p:notesMasterIdLst>
-    <p:notesMasterId r:id="rId13"/>
+    <p:notesMasterId r:id="rId14"/>
   </p:notesMasterIdLst>
   <p:sldIdLst>
     <p:sldId id="256" r:id="rId2"/>
     <p:sldId id="257" r:id="rId3"/>
-    <p:sldId id="258" r:id="rId4"/>
-    <p:sldId id="259" r:id="rId5"/>
-    <p:sldId id="260" r:id="rId6"/>
-    <p:sldId id="261" r:id="rId7"/>
-    <p:sldId id="262" r:id="rId8"/>
-    <p:sldId id="263" r:id="rId9"/>
-    <p:sldId id="264" r:id="rId10"/>
-    <p:sldId id="266" r:id="rId11"/>
-    <p:sldId id="265" r:id="rId12"/>
+    <p:sldId id="267" r:id="rId4"/>
+    <p:sldId id="258" r:id="rId5"/>
+    <p:sldId id="259" r:id="rId6"/>
+    <p:sldId id="260" r:id="rId7"/>
+    <p:sldId id="261" r:id="rId8"/>
+    <p:sldId id="262" r:id="rId9"/>
+    <p:sldId id="263" r:id="rId10"/>
+    <p:sldId id="264" r:id="rId11"/>
+    <p:sldId id="266" r:id="rId12"/>
+    <p:sldId id="265" r:id="rId13"/>
   </p:sldIdLst>
   <p:sldSz cx="9144000" cy="6858000" type="screen4x3"/>
   <p:notesSz cx="6858000" cy="9144000"/>
@@ -336,6 +337,76 @@
   <p:cSld>
     <p:spTree>
       <p:nvGrpSpPr>
+        <p:cNvPr id="1" name=""/>
+        <p:cNvGrpSpPr/>
+        <p:nvPr/>
+      </p:nvGrpSpPr>
+      <p:grpSpPr>
+        <a:xfrm>
+          <a:off x="0" y="0"/>
+          <a:ext cx="0" cy="0"/>
+          <a:chOff x="0" y="0"/>
+          <a:chExt cx="0" cy="0"/>
+        </a:xfrm>
+      </p:grpSpPr>
+      <p:sp>
+        <p:nvSpPr>
+          <p:cNvPr id="2" name="Slide Image Placeholder 1"/>
+          <p:cNvSpPr>
+            <a:spLocks noGrp="1" noRot="1" noChangeAspect="1"/>
+          </p:cNvSpPr>
+          <p:nvPr>
+            <p:ph type="sldImg" idx="2"/>
+          </p:nvPr>
+        </p:nvSpPr>
+        <p:spPr/>
+      </p:sp>
+      <p:sp>
+        <p:nvSpPr>
+          <p:cNvPr id="3" name="Notes Placeholder 2"/>
+          <p:cNvSpPr>
+            <a:spLocks noGrp="1"/>
+          </p:cNvSpPr>
+          <p:nvPr>
+            <p:ph type="body" sz="quarter" idx="3"/>
+          </p:nvPr>
+        </p:nvSpPr>
+        <p:spPr/>
+        <p:txBody>
+          <a:bodyPr/>
+          <a:lstStyle/>
+          <a:p>
+            <a:r>
+              <a:t>In summary, my model shows that machine learning can help predict ICU mortality even with basic data. However, there’s a lot of room for improvement—like adding lab results, vital signs, and tuning the model further.</a:t>
+            </a:r>
+          </a:p>
+        </p:txBody>
+      </p:sp>
+      <p:sp>
+        <p:nvSpPr>
+          <p:cNvPr id="4" name="Slide Number Placeholder 3"/>
+          <p:cNvSpPr>
+            <a:spLocks noGrp="1"/>
+          </p:cNvSpPr>
+          <p:nvPr>
+            <p:ph type="sldNum" sz="quarter" idx="5"/>
+          </p:nvPr>
+        </p:nvSpPr>
+        <p:spPr/>
+      </p:sp>
+    </p:spTree>
+  </p:cSld>
+  <p:clrMapOvr>
+    <a:masterClrMapping/>
+  </p:clrMapOvr>
+</p:notes>
+</file>
+
+<file path=ppt/notesSlides/notesSlide11.xml><?xml version="1.0" encoding="utf-8"?>
+<p:notes xmlns:a="http://schemas.openxmlformats.org/drawingml/2006/main" xmlns:r="http://schemas.openxmlformats.org/officeDocument/2006/relationships" xmlns:p="http://schemas.openxmlformats.org/presentationml/2006/main">
+  <p:cSld>
+    <p:spTree>
+      <p:nvGrpSpPr>
         <p:cNvPr id="1" name="">
           <a:extLst>
             <a:ext uri="{FF2B5EF4-FFF2-40B4-BE49-F238E27FC236}">
@@ -430,7 +501,7 @@
 </p:notes>
 </file>
 
-<file path=ppt/notesSlides/notesSlide11.xml><?xml version="1.0" encoding="utf-8"?>
+<file path=ppt/notesSlides/notesSlide12.xml><?xml version="1.0" encoding="utf-8"?>
 <p:notes xmlns:a="http://schemas.openxmlformats.org/drawingml/2006/main" xmlns:r="http://schemas.openxmlformats.org/officeDocument/2006/relationships" xmlns:p="http://schemas.openxmlformats.org/presentationml/2006/main">
   <p:cSld>
     <p:spTree>
@@ -575,7 +646,13 @@
   <p:cSld>
     <p:spTree>
       <p:nvGrpSpPr>
-        <p:cNvPr id="1" name=""/>
+        <p:cNvPr id="1" name="">
+          <a:extLst>
+            <a:ext uri="{FF2B5EF4-FFF2-40B4-BE49-F238E27FC236}">
+              <a16:creationId xmlns:a16="http://schemas.microsoft.com/office/drawing/2014/main" id="{C9F3D4F4-1142-0E09-DD95-633B44A753D6}"/>
+            </a:ext>
+          </a:extLst>
+        </p:cNvPr>
         <p:cNvGrpSpPr/>
         <p:nvPr/>
       </p:nvGrpSpPr>
@@ -589,7 +666,13 @@
       </p:grpSpPr>
       <p:sp>
         <p:nvSpPr>
-          <p:cNvPr id="2" name="Slide Image Placeholder 1"/>
+          <p:cNvPr id="2" name="Slide Image Placeholder 1">
+            <a:extLst>
+              <a:ext uri="{FF2B5EF4-FFF2-40B4-BE49-F238E27FC236}">
+                <a16:creationId xmlns:a16="http://schemas.microsoft.com/office/drawing/2014/main" id="{A8482DC2-5D84-D1BF-7869-EBCBFEED1BE0}"/>
+              </a:ext>
+            </a:extLst>
+          </p:cNvPr>
           <p:cNvSpPr>
             <a:spLocks noGrp="1" noRot="1" noChangeAspect="1"/>
           </p:cNvSpPr>
@@ -601,7 +684,13 @@
       </p:sp>
       <p:sp>
         <p:nvSpPr>
-          <p:cNvPr id="3" name="Notes Placeholder 2"/>
+          <p:cNvPr id="3" name="Notes Placeholder 2">
+            <a:extLst>
+              <a:ext uri="{FF2B5EF4-FFF2-40B4-BE49-F238E27FC236}">
+                <a16:creationId xmlns:a16="http://schemas.microsoft.com/office/drawing/2014/main" id="{FD10390E-1D5E-C8A8-AA76-B9E271E6F975}"/>
+              </a:ext>
+            </a:extLst>
+          </p:cNvPr>
           <p:cNvSpPr>
             <a:spLocks noGrp="1"/>
           </p:cNvSpPr>
@@ -614,15 +703,19 @@
           <a:bodyPr/>
           <a:lstStyle/>
           <a:p>
-            <a:r>
-              <a:t>I worked with the MIMIC-IV database, which is a large collection of ICU patient data. I used tables for admissions, ICU stays, and patient demographics, all saved as CSV files on my machine.</a:t>
-            </a:r>
+            <a:endParaRPr dirty="0"/>
           </a:p>
         </p:txBody>
       </p:sp>
       <p:sp>
         <p:nvSpPr>
-          <p:cNvPr id="4" name="Slide Number Placeholder 3"/>
+          <p:cNvPr id="4" name="Slide Number Placeholder 3">
+            <a:extLst>
+              <a:ext uri="{FF2B5EF4-FFF2-40B4-BE49-F238E27FC236}">
+                <a16:creationId xmlns:a16="http://schemas.microsoft.com/office/drawing/2014/main" id="{D7EAFCE5-4E8A-62C9-BAD6-68BEDF0FB97A}"/>
+              </a:ext>
+            </a:extLst>
+          </p:cNvPr>
           <p:cNvSpPr>
             <a:spLocks noGrp="1"/>
           </p:cNvSpPr>
@@ -633,6 +726,11 @@
         <p:spPr/>
       </p:sp>
     </p:spTree>
+    <p:extLst>
+      <p:ext uri="{BB962C8B-B14F-4D97-AF65-F5344CB8AC3E}">
+        <p14:creationId xmlns:p14="http://schemas.microsoft.com/office/powerpoint/2010/main" val="2988633902"/>
+      </p:ext>
+    </p:extLst>
   </p:cSld>
   <p:clrMapOvr>
     <a:masterClrMapping/>
@@ -685,7 +783,7 @@
           <a:lstStyle/>
           <a:p>
             <a:r>
-              <a:t>Some dates in MIMIC are placeholders for privacy. For example, patients over 89 have fake birthdates like the year 1800. I filtered these out and calculated patient ages, keeping only plausible values.</a:t>
+              <a:t>I worked with the MIMIC-IV database, which is a large collection of ICU patient data. I used tables for admissions, ICU stays, and patient demographics, all saved as CSV files on my machine.</a:t>
             </a:r>
           </a:p>
         </p:txBody>
@@ -755,7 +853,7 @@
           <a:lstStyle/>
           <a:p>
             <a:r>
-              <a:t>I explored the dataset to understand its characteristics. The age distribution looked reasonable, and I found that the overall hospital mortality rate was about 16-20% (insert your specific number). This sets the context for modeling.</a:t>
+              <a:t>Some dates in MIMIC are placeholders for privacy. For example, patients over 89 have fake birthdates like the year 1800. I filtered these out and calculated patient ages, keeping only plausible values.</a:t>
             </a:r>
           </a:p>
         </p:txBody>
@@ -825,7 +923,7 @@
           <a:lstStyle/>
           <a:p>
             <a:r>
-              <a:t>For my initial model, I used only a few basic features—age and length of stay. These are simple yet often quite predictive. The target variable was whether a patient died during the hospital admission.</a:t>
+              <a:t>I explored the dataset to understand its characteristics. The age distribution looked reasonable, and I found that the overall hospital mortality rate was about 16-20% (insert your specific number). This sets the context for modeling.</a:t>
             </a:r>
           </a:p>
         </p:txBody>
@@ -895,7 +993,7 @@
           <a:lstStyle/>
           <a:p>
             <a:r>
-              <a:t>I chose XGBoost because it’s very effective for tabular healthcare data. It also gives feature importance plots that help interpret the model. I split the data into training and test sets to evaluate performance.</a:t>
+              <a:t>For my initial model, I used only a few basic features—age and length of stay. These are simple yet often quite predictive. The target variable was whether a patient died during the hospital admission.</a:t>
             </a:r>
           </a:p>
         </p:txBody>
@@ -965,7 +1063,7 @@
           <a:lstStyle/>
           <a:p>
             <a:r>
-              <a:t>The model achieved an AUC of about 0.8366. Age was the most important feature, followed by hospital and ICU length of stay. These results show even simple features can help identify patients at risk.</a:t>
+              <a:t>I chose XGBoost because it’s very effective for tabular healthcare data. It also gives feature importance plots that help interpret the model. I split the data into training and test sets to evaluate performance.</a:t>
             </a:r>
           </a:p>
         </p:txBody>
@@ -1035,7 +1133,7 @@
           <a:lstStyle/>
           <a:p>
             <a:r>
-              <a:t>In summary, my model shows that machine learning can help predict ICU mortality even with basic data. However, there’s a lot of room for improvement—like adding lab results, vital signs, and tuning the model further.</a:t>
+              <a:t>The model achieved an AUC of about 0.8366. Age was the most important feature, followed by hospital and ICU length of stay. These results show even simple features can help identify patients at risk.</a:t>
             </a:r>
           </a:p>
         </p:txBody>
@@ -5545,13 +5643,7 @@
     </p:bg>
     <p:spTree>
       <p:nvGrpSpPr>
-        <p:cNvPr id="1" name="">
-          <a:extLst>
-            <a:ext uri="{FF2B5EF4-FFF2-40B4-BE49-F238E27FC236}">
-              <a16:creationId xmlns:a16="http://schemas.microsoft.com/office/drawing/2014/main" id="{B32382AD-1374-E67C-5FE4-8167508046E8}"/>
-            </a:ext>
-          </a:extLst>
-        </p:cNvPr>
+        <p:cNvPr id="1" name=""/>
         <p:cNvGrpSpPr/>
         <p:nvPr/>
       </p:nvGrpSpPr>
@@ -5565,7 +5657,7 @@
       </p:grpSpPr>
       <p:sp useBgFill="1">
         <p:nvSpPr>
-          <p:cNvPr id="36" name="Rectangle 35">
+          <p:cNvPr id="8" name="Rectangle 7">
             <a:extLst>
               <a:ext uri="{FF2B5EF4-FFF2-40B4-BE49-F238E27FC236}">
                 <a16:creationId xmlns:a16="http://schemas.microsoft.com/office/drawing/2014/main" id="{A2679492-7988-4050-9056-542444452411}"/>
@@ -5625,7 +5717,7 @@
       </p:sp>
       <p:sp>
         <p:nvSpPr>
-          <p:cNvPr id="38" name="Rectangle 37">
+          <p:cNvPr id="10" name="Rectangle 9">
             <a:extLst>
               <a:ext uri="{FF2B5EF4-FFF2-40B4-BE49-F238E27FC236}">
                 <a16:creationId xmlns:a16="http://schemas.microsoft.com/office/drawing/2014/main" id="{B091B163-7D61-4891-ABCF-5C13D9C418D0}"/>
@@ -5701,13 +5793,7 @@
       </p:sp>
       <p:sp>
         <p:nvSpPr>
-          <p:cNvPr id="2" name="Title 1">
-            <a:extLst>
-              <a:ext uri="{FF2B5EF4-FFF2-40B4-BE49-F238E27FC236}">
-                <a16:creationId xmlns:a16="http://schemas.microsoft.com/office/drawing/2014/main" id="{DA20241E-32BF-9374-9D18-89F3983A4DE2}"/>
-              </a:ext>
-            </a:extLst>
-          </p:cNvPr>
+          <p:cNvPr id="2" name="Title 1"/>
           <p:cNvSpPr>
             <a:spLocks noGrp="1"/>
           </p:cNvSpPr>
@@ -5728,34 +5814,19 @@
           <a:lstStyle/>
           <a:p>
             <a:r>
-              <a:rPr lang="en-US" dirty="0">
+              <a:rPr lang="en-US">
                 <a:solidFill>
                   <a:srgbClr val="FFFFFF"/>
                 </a:solidFill>
               </a:rPr>
               <a:t>Conclusions</a:t>
             </a:r>
-            <a:br>
-              <a:rPr lang="en-US" dirty="0">
-                <a:solidFill>
-                  <a:srgbClr val="FFFFFF"/>
-                </a:solidFill>
-              </a:rPr>
-            </a:br>
-            <a:r>
-              <a:rPr lang="en-US" dirty="0">
-                <a:solidFill>
-                  <a:srgbClr val="FFFFFF"/>
-                </a:solidFill>
-              </a:rPr>
-              <a:t>Note</a:t>
-            </a:r>
           </a:p>
         </p:txBody>
       </p:sp>
       <p:grpSp>
         <p:nvGrpSpPr>
-          <p:cNvPr id="40" name="Group 39">
+          <p:cNvPr id="12" name="Group 11">
             <a:extLst>
               <a:ext uri="{FF2B5EF4-FFF2-40B4-BE49-F238E27FC236}">
                 <a16:creationId xmlns:a16="http://schemas.microsoft.com/office/drawing/2014/main" id="{0474DF76-993E-44DE-AFB0-C416182ACECF}"/>
@@ -5789,7 +5860,7 @@
         </p:grpSpPr>
         <p:sp>
           <p:nvSpPr>
-            <p:cNvPr id="41" name="Graphic 11">
+            <p:cNvPr id="13" name="Graphic 11">
               <a:extLst>
                 <a:ext uri="{FF2B5EF4-FFF2-40B4-BE49-F238E27FC236}">
                   <a16:creationId xmlns:a16="http://schemas.microsoft.com/office/drawing/2014/main" id="{6CB927A4-E432-4310-9CD5-E89FF5063179}"/>
@@ -5996,7 +6067,7 @@
         </p:sp>
         <p:sp>
           <p:nvSpPr>
-            <p:cNvPr id="42" name="Graphic 10">
+            <p:cNvPr id="14" name="Graphic 10">
               <a:extLst>
                 <a:ext uri="{FF2B5EF4-FFF2-40B4-BE49-F238E27FC236}">
                   <a16:creationId xmlns:a16="http://schemas.microsoft.com/office/drawing/2014/main" id="{E3020543-B24B-4EC4-8FFC-8DD88EEA91A8}"/>
@@ -6099,7 +6170,7 @@
         </p:sp>
         <p:sp>
           <p:nvSpPr>
-            <p:cNvPr id="43" name="Graphic 12">
+            <p:cNvPr id="15" name="Graphic 12">
               <a:extLst>
                 <a:ext uri="{FF2B5EF4-FFF2-40B4-BE49-F238E27FC236}">
                   <a16:creationId xmlns:a16="http://schemas.microsoft.com/office/drawing/2014/main" id="{1453BF6C-B012-48B7-B4E8-6D7AC7C27D02}"/>
@@ -6251,13 +6322,7 @@
       </p:grpSp>
       <p:sp>
         <p:nvSpPr>
-          <p:cNvPr id="3" name="Content Placeholder 2">
-            <a:extLst>
-              <a:ext uri="{FF2B5EF4-FFF2-40B4-BE49-F238E27FC236}">
-                <a16:creationId xmlns:a16="http://schemas.microsoft.com/office/drawing/2014/main" id="{8782FB5B-460E-E479-09CB-9CB40C847029}"/>
-              </a:ext>
-            </a:extLst>
-          </p:cNvPr>
+          <p:cNvPr id="3" name="Content Placeholder 2"/>
           <p:cNvSpPr>
             <a:spLocks noGrp="1"/>
           </p:cNvSpPr>
@@ -6277,13 +6342,911 @@
           </a:bodyPr>
           <a:lstStyle/>
           <a:p>
-            <a:pPr>
+            <a:r>
+              <a:rPr lang="en-US" sz="1700" dirty="0">
+                <a:solidFill>
+                  <a:schemeClr val="tx1">
+                    <a:alpha val="80000"/>
+                  </a:schemeClr>
+                </a:solidFill>
+              </a:rPr>
+              <a:t>- Predictive modeling feasible</a:t>
+            </a:r>
+          </a:p>
+          <a:p>
+            <a:r>
+              <a:rPr lang="en-US" sz="1700" dirty="0">
+                <a:solidFill>
+                  <a:schemeClr val="tx1">
+                    <a:alpha val="80000"/>
+                  </a:schemeClr>
+                </a:solidFill>
+              </a:rPr>
+              <a:t>- Simple features still useful</a:t>
+            </a:r>
+          </a:p>
+          <a:p>
+            <a:r>
+              <a:rPr lang="en-US" sz="1700" dirty="0">
+                <a:solidFill>
+                  <a:schemeClr val="tx1">
+                    <a:alpha val="80000"/>
+                  </a:schemeClr>
+                </a:solidFill>
+              </a:rPr>
+              <a:t>- Next steps:</a:t>
+            </a:r>
+          </a:p>
+          <a:p>
+            <a:pPr marL="400050" lvl="1" indent="0">
+              <a:buNone/>
+            </a:pPr>
+            <a:r>
+              <a:rPr lang="en-US" sz="1300" dirty="0">
+                <a:solidFill>
+                  <a:schemeClr val="tx1">
+                    <a:alpha val="80000"/>
+                  </a:schemeClr>
+                </a:solidFill>
+              </a:rPr>
+              <a:t>  • Add labs &amp; vitals</a:t>
+            </a:r>
+          </a:p>
+          <a:p>
+            <a:pPr marL="400050" lvl="1" indent="0">
+              <a:buNone/>
+            </a:pPr>
+            <a:r>
+              <a:rPr lang="en-US" sz="1300" dirty="0">
+                <a:solidFill>
+                  <a:schemeClr val="tx1">
+                    <a:alpha val="80000"/>
+                  </a:schemeClr>
+                </a:solidFill>
+              </a:rPr>
+              <a:t>  • Hyperparameter tuning</a:t>
+            </a:r>
+          </a:p>
+          <a:p>
+            <a:pPr marL="400050" lvl="1" indent="0">
+              <a:buNone/>
+            </a:pPr>
+            <a:r>
+              <a:rPr lang="en-US" sz="1300" dirty="0">
+                <a:solidFill>
+                  <a:schemeClr val="tx1">
+                    <a:alpha val="80000"/>
+                  </a:schemeClr>
+                </a:solidFill>
+              </a:rPr>
+              <a:t>  • Test other models</a:t>
+            </a:r>
+          </a:p>
+        </p:txBody>
+      </p:sp>
+      <p:cxnSp>
+        <p:nvCxnSpPr>
+          <p:cNvPr id="17" name="Straight Connector 16">
+            <a:extLst>
+              <a:ext uri="{FF2B5EF4-FFF2-40B4-BE49-F238E27FC236}">
+                <a16:creationId xmlns:a16="http://schemas.microsoft.com/office/drawing/2014/main" id="{C49DA8F6-BCC1-4447-B54C-57856834B94B}"/>
+              </a:ext>
+              <a:ext uri="{C183D7F6-B498-43B3-948B-1728B52AA6E4}">
+                <adec:decorative xmlns:adec="http://schemas.microsoft.com/office/drawing/2017/decorative" val="1"/>
+              </a:ext>
+            </a:extLst>
+          </p:cNvPr>
+          <p:cNvCxnSpPr>
+            <a:cxnSpLocks noGrp="1" noRot="1" noChangeAspect="1" noMove="1" noResize="1" noEditPoints="1" noAdjustHandles="1" noChangeArrowheads="1" noChangeShapeType="1"/>
+          </p:cNvCxnSpPr>
+          <p:nvPr>
+            <p:extLst>
+              <p:ext uri="{386F3935-93C4-4BCD-93E2-E3B085C9AB24}">
+                <p16:designElem xmlns:p16="http://schemas.microsoft.com/office/powerpoint/2015/main" val="1"/>
+              </p:ext>
+            </p:extLst>
+          </p:nvPr>
+        </p:nvCxnSpPr>
+        <p:spPr>
+          <a:xfrm>
+            <a:off x="8689621" y="3610394"/>
+            <a:ext cx="0" cy="3238728"/>
+          </a:xfrm>
+          <a:prstGeom prst="line">
+            <a:avLst/>
+          </a:prstGeom>
+          <a:ln w="25400" cap="sq">
+            <a:gradFill flip="none" rotWithShape="1">
+              <a:gsLst>
+                <a:gs pos="0">
+                  <a:schemeClr val="accent1"/>
+                </a:gs>
+                <a:gs pos="100000">
+                  <a:schemeClr val="accent2"/>
+                </a:gs>
+              </a:gsLst>
+              <a:lin ang="5400000" scaled="0"/>
+              <a:tileRect/>
+            </a:gradFill>
+            <a:bevel/>
+          </a:ln>
+        </p:spPr>
+        <p:style>
+          <a:lnRef idx="1">
+            <a:schemeClr val="accent1"/>
+          </a:lnRef>
+          <a:fillRef idx="0">
+            <a:schemeClr val="accent1"/>
+          </a:fillRef>
+          <a:effectRef idx="0">
+            <a:schemeClr val="accent1"/>
+          </a:effectRef>
+          <a:fontRef idx="minor">
+            <a:schemeClr val="tx1"/>
+          </a:fontRef>
+        </p:style>
+      </p:cxnSp>
+    </p:spTree>
+  </p:cSld>
+  <p:clrMapOvr>
+    <a:masterClrMapping/>
+  </p:clrMapOvr>
+</p:sld>
+</file>
+
+<file path=ppt/slides/slide11.xml><?xml version="1.0" encoding="utf-8"?>
+<p:sld xmlns:a="http://schemas.openxmlformats.org/drawingml/2006/main" xmlns:r="http://schemas.openxmlformats.org/officeDocument/2006/relationships" xmlns:p="http://schemas.openxmlformats.org/presentationml/2006/main">
+  <p:cSld>
+    <p:bg>
+      <p:bgPr>
+        <a:solidFill>
+          <a:schemeClr val="bg1"/>
+        </a:solidFill>
+        <a:effectLst/>
+      </p:bgPr>
+    </p:bg>
+    <p:spTree>
+      <p:nvGrpSpPr>
+        <p:cNvPr id="1" name="">
+          <a:extLst>
+            <a:ext uri="{FF2B5EF4-FFF2-40B4-BE49-F238E27FC236}">
+              <a16:creationId xmlns:a16="http://schemas.microsoft.com/office/drawing/2014/main" id="{B32382AD-1374-E67C-5FE4-8167508046E8}"/>
+            </a:ext>
+          </a:extLst>
+        </p:cNvPr>
+        <p:cNvGrpSpPr/>
+        <p:nvPr/>
+      </p:nvGrpSpPr>
+      <p:grpSpPr>
+        <a:xfrm>
+          <a:off x="0" y="0"/>
+          <a:ext cx="0" cy="0"/>
+          <a:chOff x="0" y="0"/>
+          <a:chExt cx="0" cy="0"/>
+        </a:xfrm>
+      </p:grpSpPr>
+      <p:sp useBgFill="1">
+        <p:nvSpPr>
+          <p:cNvPr id="64" name="Rectangle 63">
+            <a:extLst>
+              <a:ext uri="{FF2B5EF4-FFF2-40B4-BE49-F238E27FC236}">
+                <a16:creationId xmlns:a16="http://schemas.microsoft.com/office/drawing/2014/main" id="{A2679492-7988-4050-9056-542444452411}"/>
+              </a:ext>
+              <a:ext uri="{C183D7F6-B498-43B3-948B-1728B52AA6E4}">
+                <adec:decorative xmlns:adec="http://schemas.microsoft.com/office/drawing/2017/decorative" val="1"/>
+              </a:ext>
+            </a:extLst>
+          </p:cNvPr>
+          <p:cNvSpPr>
+            <a:spLocks noGrp="1" noRot="1" noChangeAspect="1" noMove="1" noResize="1" noEditPoints="1" noAdjustHandles="1" noChangeArrowheads="1" noChangeShapeType="1" noTextEdit="1"/>
+          </p:cNvSpPr>
+          <p:nvPr>
+            <p:extLst>
+              <p:ext uri="{386F3935-93C4-4BCD-93E2-E3B085C9AB24}">
+                <p16:designElem xmlns:p16="http://schemas.microsoft.com/office/powerpoint/2015/main" val="1"/>
+              </p:ext>
+            </p:extLst>
+          </p:nvPr>
+        </p:nvSpPr>
+        <p:spPr>
+          <a:xfrm>
+            <a:off x="0" y="0"/>
+            <a:ext cx="9144000" cy="6858000"/>
+          </a:xfrm>
+          <a:prstGeom prst="rect">
+            <a:avLst/>
+          </a:prstGeom>
+          <a:ln>
+            <a:noFill/>
+          </a:ln>
+        </p:spPr>
+        <p:style>
+          <a:lnRef idx="2">
+            <a:schemeClr val="accent1">
+              <a:shade val="50000"/>
+            </a:schemeClr>
+          </a:lnRef>
+          <a:fillRef idx="1">
+            <a:schemeClr val="accent1"/>
+          </a:fillRef>
+          <a:effectRef idx="0">
+            <a:schemeClr val="accent1"/>
+          </a:effectRef>
+          <a:fontRef idx="minor">
+            <a:schemeClr val="lt1"/>
+          </a:fontRef>
+        </p:style>
+        <p:txBody>
+          <a:bodyPr rtlCol="0" anchor="ctr"/>
+          <a:lstStyle/>
+          <a:p>
+            <a:pPr algn="ctr"/>
+            <a:endParaRPr lang="en-US"/>
+          </a:p>
+        </p:txBody>
+      </p:sp>
+      <p:sp>
+        <p:nvSpPr>
+          <p:cNvPr id="66" name="Rectangle 65">
+            <a:extLst>
+              <a:ext uri="{FF2B5EF4-FFF2-40B4-BE49-F238E27FC236}">
+                <a16:creationId xmlns:a16="http://schemas.microsoft.com/office/drawing/2014/main" id="{B091B163-7D61-4891-ABCF-5C13D9C418D0}"/>
+              </a:ext>
+              <a:ext uri="{C183D7F6-B498-43B3-948B-1728B52AA6E4}">
+                <adec:decorative xmlns:adec="http://schemas.microsoft.com/office/drawing/2017/decorative" val="1"/>
+              </a:ext>
+            </a:extLst>
+          </p:cNvPr>
+          <p:cNvSpPr>
+            <a:spLocks noGrp="1" noRot="1" noChangeAspect="1" noMove="1" noResize="1" noEditPoints="1" noAdjustHandles="1" noChangeArrowheads="1" noChangeShapeType="1" noTextEdit="1"/>
+          </p:cNvSpPr>
+          <p:nvPr>
+            <p:extLst>
+              <p:ext uri="{386F3935-93C4-4BCD-93E2-E3B085C9AB24}">
+                <p16:designElem xmlns:p16="http://schemas.microsoft.com/office/powerpoint/2015/main" val="1"/>
+              </p:ext>
+            </p:extLst>
+          </p:nvPr>
+        </p:nvSpPr>
+        <p:spPr>
+          <a:xfrm>
+            <a:off x="0" y="0"/>
+            <a:ext cx="4334933" cy="6858000"/>
+          </a:xfrm>
+          <a:prstGeom prst="rect">
+            <a:avLst/>
+          </a:prstGeom>
+          <a:gradFill flip="none" rotWithShape="1">
+            <a:gsLst>
+              <a:gs pos="0">
+                <a:schemeClr val="accent1"/>
+              </a:gs>
+              <a:gs pos="100000">
+                <a:schemeClr val="accent2"/>
+              </a:gs>
+            </a:gsLst>
+            <a:lin ang="2700000" scaled="1"/>
+            <a:tileRect/>
+          </a:gradFill>
+          <a:ln>
+            <a:noFill/>
+          </a:ln>
+        </p:spPr>
+        <p:style>
+          <a:lnRef idx="2">
+            <a:schemeClr val="accent1">
+              <a:shade val="50000"/>
+            </a:schemeClr>
+          </a:lnRef>
+          <a:fillRef idx="1">
+            <a:schemeClr val="accent1"/>
+          </a:fillRef>
+          <a:effectRef idx="0">
+            <a:schemeClr val="accent1"/>
+          </a:effectRef>
+          <a:fontRef idx="minor">
+            <a:schemeClr val="lt1"/>
+          </a:fontRef>
+        </p:style>
+        <p:txBody>
+          <a:bodyPr rtlCol="0" anchor="ctr"/>
+          <a:lstStyle/>
+          <a:p>
+            <a:pPr algn="ctr"/>
+            <a:endParaRPr lang="en-US">
+              <a:solidFill>
+                <a:schemeClr val="tx1"/>
+              </a:solidFill>
+            </a:endParaRPr>
+          </a:p>
+        </p:txBody>
+      </p:sp>
+      <p:sp>
+        <p:nvSpPr>
+          <p:cNvPr id="2" name="Title 1">
+            <a:extLst>
+              <a:ext uri="{FF2B5EF4-FFF2-40B4-BE49-F238E27FC236}">
+                <a16:creationId xmlns:a16="http://schemas.microsoft.com/office/drawing/2014/main" id="{DA20241E-32BF-9374-9D18-89F3983A4DE2}"/>
+              </a:ext>
+            </a:extLst>
+          </p:cNvPr>
+          <p:cNvSpPr>
+            <a:spLocks noGrp="1"/>
+          </p:cNvSpPr>
+          <p:nvPr>
+            <p:ph type="title"/>
+          </p:nvPr>
+        </p:nvSpPr>
+        <p:spPr>
+          <a:xfrm>
+            <a:off x="891051" y="381935"/>
+            <a:ext cx="3006438" cy="5974414"/>
+          </a:xfrm>
+        </p:spPr>
+        <p:txBody>
+          <a:bodyPr anchor="ctr">
+            <a:normAutofit/>
+          </a:bodyPr>
+          <a:lstStyle/>
+          <a:p>
+            <a:r>
+              <a:rPr lang="en-US" dirty="0">
+                <a:solidFill>
+                  <a:srgbClr val="FFFFFF"/>
+                </a:solidFill>
+              </a:rPr>
+              <a:t>Conclusions</a:t>
+            </a:r>
+            <a:br>
+              <a:rPr lang="en-US" dirty="0">
+                <a:solidFill>
+                  <a:srgbClr val="FFFFFF"/>
+                </a:solidFill>
+              </a:rPr>
+            </a:br>
+            <a:r>
+              <a:rPr lang="en-US" dirty="0">
+                <a:solidFill>
+                  <a:srgbClr val="FFFFFF"/>
+                </a:solidFill>
+              </a:rPr>
+              <a:t>Note</a:t>
+            </a:r>
+          </a:p>
+        </p:txBody>
+      </p:sp>
+      <p:grpSp>
+        <p:nvGrpSpPr>
+          <p:cNvPr id="68" name="Group 67">
+            <a:extLst>
+              <a:ext uri="{FF2B5EF4-FFF2-40B4-BE49-F238E27FC236}">
+                <a16:creationId xmlns:a16="http://schemas.microsoft.com/office/drawing/2014/main" id="{0474DF76-993E-44DE-AFB0-C416182ACECF}"/>
+              </a:ext>
+              <a:ext uri="{C183D7F6-B498-43B3-948B-1728B52AA6E4}">
+                <adec:decorative xmlns:adec="http://schemas.microsoft.com/office/drawing/2017/decorative" val="1"/>
+              </a:ext>
+            </a:extLst>
+          </p:cNvPr>
+          <p:cNvGrpSpPr>
+            <a:grpSpLocks noGrp="1" noUngrp="1" noRot="1" noChangeAspect="1" noMove="1" noResize="1"/>
+          </p:cNvGrpSpPr>
+          <p:nvPr>
+            <p:extLst>
+              <p:ext uri="{386F3935-93C4-4BCD-93E2-E3B085C9AB24}">
+                <p16:designElem xmlns:p16="http://schemas.microsoft.com/office/powerpoint/2015/main" val="1"/>
+              </p:ext>
+            </p:extLst>
+          </p:nvPr>
+        </p:nvGrpSpPr>
+        <p:grpSpPr>
+          <a:xfrm>
+            <a:off x="460420" y="554152"/>
+            <a:ext cx="430632" cy="1075866"/>
+            <a:chOff x="613892" y="554152"/>
+            <a:chExt cx="574177" cy="1075866"/>
+          </a:xfrm>
+          <a:solidFill>
+            <a:srgbClr val="FFFFFF"/>
+          </a:solidFill>
+        </p:grpSpPr>
+        <p:sp>
+          <p:nvSpPr>
+            <p:cNvPr id="69" name="Graphic 11">
+              <a:extLst>
+                <a:ext uri="{FF2B5EF4-FFF2-40B4-BE49-F238E27FC236}">
+                  <a16:creationId xmlns:a16="http://schemas.microsoft.com/office/drawing/2014/main" id="{6CB927A4-E432-4310-9CD5-E89FF5063179}"/>
+                </a:ext>
+                <a:ext uri="{C183D7F6-B498-43B3-948B-1728B52AA6E4}">
+                  <adec:decorative xmlns:adec="http://schemas.microsoft.com/office/drawing/2017/decorative" val="1"/>
+                </a:ext>
+              </a:extLst>
+            </p:cNvPr>
+            <p:cNvSpPr/>
+            <p:nvPr>
+              <p:extLst>
+                <p:ext uri="{386F3935-93C4-4BCD-93E2-E3B085C9AB24}">
+                  <p16:designElem xmlns:p16="http://schemas.microsoft.com/office/powerpoint/2015/main" val="1"/>
+                </p:ext>
+              </p:extLst>
+            </p:nvPr>
+          </p:nvSpPr>
+          <p:spPr>
+            <a:xfrm>
+              <a:off x="633061" y="554152"/>
+              <a:ext cx="171515" cy="171515"/>
+            </a:xfrm>
+            <a:custGeom>
+              <a:avLst/>
+              <a:gdLst>
+                <a:gd name="connsiteX0" fmla="*/ 159874 w 171515"/>
+                <a:gd name="connsiteY0" fmla="*/ 74116 h 171515"/>
+                <a:gd name="connsiteX1" fmla="*/ 97399 w 171515"/>
+                <a:gd name="connsiteY1" fmla="*/ 74116 h 171515"/>
+                <a:gd name="connsiteX2" fmla="*/ 97399 w 171515"/>
+                <a:gd name="connsiteY2" fmla="*/ 11641 h 171515"/>
+                <a:gd name="connsiteX3" fmla="*/ 85758 w 171515"/>
+                <a:gd name="connsiteY3" fmla="*/ 0 h 171515"/>
+                <a:gd name="connsiteX4" fmla="*/ 74116 w 171515"/>
+                <a:gd name="connsiteY4" fmla="*/ 11641 h 171515"/>
+                <a:gd name="connsiteX5" fmla="*/ 74116 w 171515"/>
+                <a:gd name="connsiteY5" fmla="*/ 74116 h 171515"/>
+                <a:gd name="connsiteX6" fmla="*/ 11641 w 171515"/>
+                <a:gd name="connsiteY6" fmla="*/ 74116 h 171515"/>
+                <a:gd name="connsiteX7" fmla="*/ 0 w 171515"/>
+                <a:gd name="connsiteY7" fmla="*/ 85758 h 171515"/>
+                <a:gd name="connsiteX8" fmla="*/ 11641 w 171515"/>
+                <a:gd name="connsiteY8" fmla="*/ 97399 h 171515"/>
+                <a:gd name="connsiteX9" fmla="*/ 74116 w 171515"/>
+                <a:gd name="connsiteY9" fmla="*/ 97399 h 171515"/>
+                <a:gd name="connsiteX10" fmla="*/ 74116 w 171515"/>
+                <a:gd name="connsiteY10" fmla="*/ 159874 h 171515"/>
+                <a:gd name="connsiteX11" fmla="*/ 85758 w 171515"/>
+                <a:gd name="connsiteY11" fmla="*/ 171515 h 171515"/>
+                <a:gd name="connsiteX12" fmla="*/ 97399 w 171515"/>
+                <a:gd name="connsiteY12" fmla="*/ 159874 h 171515"/>
+                <a:gd name="connsiteX13" fmla="*/ 97399 w 171515"/>
+                <a:gd name="connsiteY13" fmla="*/ 97399 h 171515"/>
+                <a:gd name="connsiteX14" fmla="*/ 159874 w 171515"/>
+                <a:gd name="connsiteY14" fmla="*/ 97399 h 171515"/>
+                <a:gd name="connsiteX15" fmla="*/ 171515 w 171515"/>
+                <a:gd name="connsiteY15" fmla="*/ 85758 h 171515"/>
+                <a:gd name="connsiteX16" fmla="*/ 159874 w 171515"/>
+                <a:gd name="connsiteY16" fmla="*/ 74116 h 171515"/>
+              </a:gdLst>
+              <a:ahLst/>
+              <a:cxnLst>
+                <a:cxn ang="0">
+                  <a:pos x="connsiteX0" y="connsiteY0"/>
+                </a:cxn>
+                <a:cxn ang="0">
+                  <a:pos x="connsiteX1" y="connsiteY1"/>
+                </a:cxn>
+                <a:cxn ang="0">
+                  <a:pos x="connsiteX2" y="connsiteY2"/>
+                </a:cxn>
+                <a:cxn ang="0">
+                  <a:pos x="connsiteX3" y="connsiteY3"/>
+                </a:cxn>
+                <a:cxn ang="0">
+                  <a:pos x="connsiteX4" y="connsiteY4"/>
+                </a:cxn>
+                <a:cxn ang="0">
+                  <a:pos x="connsiteX5" y="connsiteY5"/>
+                </a:cxn>
+                <a:cxn ang="0">
+                  <a:pos x="connsiteX6" y="connsiteY6"/>
+                </a:cxn>
+                <a:cxn ang="0">
+                  <a:pos x="connsiteX7" y="connsiteY7"/>
+                </a:cxn>
+                <a:cxn ang="0">
+                  <a:pos x="connsiteX8" y="connsiteY8"/>
+                </a:cxn>
+                <a:cxn ang="0">
+                  <a:pos x="connsiteX9" y="connsiteY9"/>
+                </a:cxn>
+                <a:cxn ang="0">
+                  <a:pos x="connsiteX10" y="connsiteY10"/>
+                </a:cxn>
+                <a:cxn ang="0">
+                  <a:pos x="connsiteX11" y="connsiteY11"/>
+                </a:cxn>
+                <a:cxn ang="0">
+                  <a:pos x="connsiteX12" y="connsiteY12"/>
+                </a:cxn>
+                <a:cxn ang="0">
+                  <a:pos x="connsiteX13" y="connsiteY13"/>
+                </a:cxn>
+                <a:cxn ang="0">
+                  <a:pos x="connsiteX14" y="connsiteY14"/>
+                </a:cxn>
+                <a:cxn ang="0">
+                  <a:pos x="connsiteX15" y="connsiteY15"/>
+                </a:cxn>
+                <a:cxn ang="0">
+                  <a:pos x="connsiteX16" y="connsiteY16"/>
+                </a:cxn>
+              </a:cxnLst>
+              <a:rect l="l" t="t" r="r" b="b"/>
+              <a:pathLst>
+                <a:path w="171515" h="171515">
+                  <a:moveTo>
+                    <a:pt x="159874" y="74116"/>
+                  </a:moveTo>
+                  <a:lnTo>
+                    <a:pt x="97399" y="74116"/>
+                  </a:lnTo>
+                  <a:lnTo>
+                    <a:pt x="97399" y="11641"/>
+                  </a:lnTo>
+                  <a:cubicBezTo>
+                    <a:pt x="97399" y="5212"/>
+                    <a:pt x="92187" y="0"/>
+                    <a:pt x="85758" y="0"/>
+                  </a:cubicBezTo>
+                  <a:cubicBezTo>
+                    <a:pt x="79328" y="0"/>
+                    <a:pt x="74116" y="5212"/>
+                    <a:pt x="74116" y="11641"/>
+                  </a:cubicBezTo>
+                  <a:lnTo>
+                    <a:pt x="74116" y="74116"/>
+                  </a:lnTo>
+                  <a:lnTo>
+                    <a:pt x="11641" y="74116"/>
+                  </a:lnTo>
+                  <a:cubicBezTo>
+                    <a:pt x="5212" y="74116"/>
+                    <a:pt x="0" y="79328"/>
+                    <a:pt x="0" y="85758"/>
+                  </a:cubicBezTo>
+                  <a:cubicBezTo>
+                    <a:pt x="0" y="92187"/>
+                    <a:pt x="5212" y="97399"/>
+                    <a:pt x="11641" y="97399"/>
+                  </a:cubicBezTo>
+                  <a:lnTo>
+                    <a:pt x="74116" y="97399"/>
+                  </a:lnTo>
+                  <a:lnTo>
+                    <a:pt x="74116" y="159874"/>
+                  </a:lnTo>
+                  <a:cubicBezTo>
+                    <a:pt x="74116" y="166303"/>
+                    <a:pt x="79328" y="171515"/>
+                    <a:pt x="85758" y="171515"/>
+                  </a:cubicBezTo>
+                  <a:cubicBezTo>
+                    <a:pt x="92187" y="171515"/>
+                    <a:pt x="97399" y="166303"/>
+                    <a:pt x="97399" y="159874"/>
+                  </a:cubicBezTo>
+                  <a:lnTo>
+                    <a:pt x="97399" y="97399"/>
+                  </a:lnTo>
+                  <a:lnTo>
+                    <a:pt x="159874" y="97399"/>
+                  </a:lnTo>
+                  <a:cubicBezTo>
+                    <a:pt x="166303" y="97399"/>
+                    <a:pt x="171515" y="92187"/>
+                    <a:pt x="171515" y="85758"/>
+                  </a:cubicBezTo>
+                  <a:cubicBezTo>
+                    <a:pt x="171515" y="79328"/>
+                    <a:pt x="166303" y="74116"/>
+                    <a:pt x="159874" y="74116"/>
+                  </a:cubicBezTo>
+                  <a:close/>
+                </a:path>
+              </a:pathLst>
+            </a:custGeom>
+            <a:grpFill/>
+            <a:ln w="776" cap="flat">
+              <a:noFill/>
+              <a:prstDash val="solid"/>
+              <a:miter/>
+            </a:ln>
+          </p:spPr>
+          <p:txBody>
+            <a:bodyPr rtlCol="0" anchor="ctr"/>
+            <a:lstStyle/>
+            <a:p>
+              <a:endParaRPr lang="en-US"/>
+            </a:p>
+          </p:txBody>
+        </p:sp>
+        <p:sp>
+          <p:nvSpPr>
+            <p:cNvPr id="70" name="Graphic 10">
+              <a:extLst>
+                <a:ext uri="{FF2B5EF4-FFF2-40B4-BE49-F238E27FC236}">
+                  <a16:creationId xmlns:a16="http://schemas.microsoft.com/office/drawing/2014/main" id="{E3020543-B24B-4EC4-8FFC-8DD88EEA91A8}"/>
+                </a:ext>
+                <a:ext uri="{C183D7F6-B498-43B3-948B-1728B52AA6E4}">
+                  <adec:decorative xmlns:adec="http://schemas.microsoft.com/office/drawing/2017/decorative" val="1"/>
+                </a:ext>
+              </a:extLst>
+            </p:cNvPr>
+            <p:cNvSpPr/>
+            <p:nvPr>
+              <p:extLst>
+                <p:ext uri="{386F3935-93C4-4BCD-93E2-E3B085C9AB24}">
+                  <p16:designElem xmlns:p16="http://schemas.microsoft.com/office/powerpoint/2015/main" val="1"/>
+                </p:ext>
+              </p:extLst>
+            </p:nvPr>
+          </p:nvSpPr>
+          <p:spPr>
+            <a:xfrm>
+              <a:off x="1075643" y="837005"/>
+              <a:ext cx="112426" cy="112426"/>
+            </a:xfrm>
+            <a:custGeom>
+              <a:avLst/>
+              <a:gdLst>
+                <a:gd name="connsiteX0" fmla="*/ 112426 w 112426"/>
+                <a:gd name="connsiteY0" fmla="*/ 56213 h 112426"/>
+                <a:gd name="connsiteX1" fmla="*/ 56213 w 112426"/>
+                <a:gd name="connsiteY1" fmla="*/ 112426 h 112426"/>
+                <a:gd name="connsiteX2" fmla="*/ 0 w 112426"/>
+                <a:gd name="connsiteY2" fmla="*/ 56213 h 112426"/>
+                <a:gd name="connsiteX3" fmla="*/ 56213 w 112426"/>
+                <a:gd name="connsiteY3" fmla="*/ 0 h 112426"/>
+                <a:gd name="connsiteX4" fmla="*/ 112426 w 112426"/>
+                <a:gd name="connsiteY4" fmla="*/ 56213 h 112426"/>
+              </a:gdLst>
+              <a:ahLst/>
+              <a:cxnLst>
+                <a:cxn ang="0">
+                  <a:pos x="connsiteX0" y="connsiteY0"/>
+                </a:cxn>
+                <a:cxn ang="0">
+                  <a:pos x="connsiteX1" y="connsiteY1"/>
+                </a:cxn>
+                <a:cxn ang="0">
+                  <a:pos x="connsiteX2" y="connsiteY2"/>
+                </a:cxn>
+                <a:cxn ang="0">
+                  <a:pos x="connsiteX3" y="connsiteY3"/>
+                </a:cxn>
+                <a:cxn ang="0">
+                  <a:pos x="connsiteX4" y="connsiteY4"/>
+                </a:cxn>
+              </a:cxnLst>
+              <a:rect l="l" t="t" r="r" b="b"/>
+              <a:pathLst>
+                <a:path w="112426" h="112426">
+                  <a:moveTo>
+                    <a:pt x="112426" y="56213"/>
+                  </a:moveTo>
+                  <a:cubicBezTo>
+                    <a:pt x="112426" y="87259"/>
+                    <a:pt x="87259" y="112426"/>
+                    <a:pt x="56213" y="112426"/>
+                  </a:cubicBezTo>
+                  <a:cubicBezTo>
+                    <a:pt x="25167" y="112426"/>
+                    <a:pt x="0" y="87259"/>
+                    <a:pt x="0" y="56213"/>
+                  </a:cubicBezTo>
+                  <a:cubicBezTo>
+                    <a:pt x="0" y="25167"/>
+                    <a:pt x="25167" y="0"/>
+                    <a:pt x="56213" y="0"/>
+                  </a:cubicBezTo>
+                  <a:cubicBezTo>
+                    <a:pt x="87259" y="0"/>
+                    <a:pt x="112426" y="25167"/>
+                    <a:pt x="112426" y="56213"/>
+                  </a:cubicBezTo>
+                  <a:close/>
+                </a:path>
+              </a:pathLst>
+            </a:custGeom>
+            <a:grpFill/>
+            <a:ln w="516" cap="flat">
+              <a:noFill/>
+              <a:prstDash val="solid"/>
+              <a:miter/>
+            </a:ln>
+          </p:spPr>
+          <p:txBody>
+            <a:bodyPr rtlCol="0" anchor="ctr"/>
+            <a:lstStyle/>
+            <a:p>
+              <a:endParaRPr lang="en-US"/>
+            </a:p>
+          </p:txBody>
+        </p:sp>
+        <p:sp>
+          <p:nvSpPr>
+            <p:cNvPr id="71" name="Graphic 12">
+              <a:extLst>
+                <a:ext uri="{FF2B5EF4-FFF2-40B4-BE49-F238E27FC236}">
+                  <a16:creationId xmlns:a16="http://schemas.microsoft.com/office/drawing/2014/main" id="{1453BF6C-B012-48B7-B4E8-6D7AC7C27D02}"/>
+                </a:ext>
+                <a:ext uri="{C183D7F6-B498-43B3-948B-1728B52AA6E4}">
+                  <adec:decorative xmlns:adec="http://schemas.microsoft.com/office/drawing/2017/decorative" val="1"/>
+                </a:ext>
+              </a:extLst>
+            </p:cNvPr>
+            <p:cNvSpPr/>
+            <p:nvPr>
+              <p:extLst>
+                <p:ext uri="{386F3935-93C4-4BCD-93E2-E3B085C9AB24}">
+                  <p16:designElem xmlns:p16="http://schemas.microsoft.com/office/powerpoint/2015/main" val="1"/>
+                </p:ext>
+              </p:extLst>
+            </p:nvPr>
+          </p:nvSpPr>
+          <p:spPr>
+            <a:xfrm>
+              <a:off x="613892" y="1472473"/>
+              <a:ext cx="157545" cy="157545"/>
+            </a:xfrm>
+            <a:custGeom>
+              <a:avLst/>
+              <a:gdLst>
+                <a:gd name="connsiteX0" fmla="*/ 78773 w 157545"/>
+                <a:gd name="connsiteY0" fmla="*/ 23283 h 157545"/>
+                <a:gd name="connsiteX1" fmla="*/ 134262 w 157545"/>
+                <a:gd name="connsiteY1" fmla="*/ 78773 h 157545"/>
+                <a:gd name="connsiteX2" fmla="*/ 78773 w 157545"/>
+                <a:gd name="connsiteY2" fmla="*/ 134262 h 157545"/>
+                <a:gd name="connsiteX3" fmla="*/ 23283 w 157545"/>
+                <a:gd name="connsiteY3" fmla="*/ 78773 h 157545"/>
+                <a:gd name="connsiteX4" fmla="*/ 78773 w 157545"/>
+                <a:gd name="connsiteY4" fmla="*/ 23283 h 157545"/>
+                <a:gd name="connsiteX5" fmla="*/ 78773 w 157545"/>
+                <a:gd name="connsiteY5" fmla="*/ 0 h 157545"/>
+                <a:gd name="connsiteX6" fmla="*/ 0 w 157545"/>
+                <a:gd name="connsiteY6" fmla="*/ 78773 h 157545"/>
+                <a:gd name="connsiteX7" fmla="*/ 78773 w 157545"/>
+                <a:gd name="connsiteY7" fmla="*/ 157545 h 157545"/>
+                <a:gd name="connsiteX8" fmla="*/ 157545 w 157545"/>
+                <a:gd name="connsiteY8" fmla="*/ 78773 h 157545"/>
+                <a:gd name="connsiteX9" fmla="*/ 78773 w 157545"/>
+                <a:gd name="connsiteY9" fmla="*/ 0 h 157545"/>
+              </a:gdLst>
+              <a:ahLst/>
+              <a:cxnLst>
+                <a:cxn ang="0">
+                  <a:pos x="connsiteX0" y="connsiteY0"/>
+                </a:cxn>
+                <a:cxn ang="0">
+                  <a:pos x="connsiteX1" y="connsiteY1"/>
+                </a:cxn>
+                <a:cxn ang="0">
+                  <a:pos x="connsiteX2" y="connsiteY2"/>
+                </a:cxn>
+                <a:cxn ang="0">
+                  <a:pos x="connsiteX3" y="connsiteY3"/>
+                </a:cxn>
+                <a:cxn ang="0">
+                  <a:pos x="connsiteX4" y="connsiteY4"/>
+                </a:cxn>
+                <a:cxn ang="0">
+                  <a:pos x="connsiteX5" y="connsiteY5"/>
+                </a:cxn>
+                <a:cxn ang="0">
+                  <a:pos x="connsiteX6" y="connsiteY6"/>
+                </a:cxn>
+                <a:cxn ang="0">
+                  <a:pos x="connsiteX7" y="connsiteY7"/>
+                </a:cxn>
+                <a:cxn ang="0">
+                  <a:pos x="connsiteX8" y="connsiteY8"/>
+                </a:cxn>
+                <a:cxn ang="0">
+                  <a:pos x="connsiteX9" y="connsiteY9"/>
+                </a:cxn>
+              </a:cxnLst>
+              <a:rect l="l" t="t" r="r" b="b"/>
+              <a:pathLst>
+                <a:path w="157545" h="157545">
+                  <a:moveTo>
+                    <a:pt x="78773" y="23283"/>
+                  </a:moveTo>
+                  <a:cubicBezTo>
+                    <a:pt x="109419" y="23283"/>
+                    <a:pt x="134262" y="48126"/>
+                    <a:pt x="134262" y="78773"/>
+                  </a:cubicBezTo>
+                  <a:cubicBezTo>
+                    <a:pt x="134262" y="109419"/>
+                    <a:pt x="109419" y="134262"/>
+                    <a:pt x="78773" y="134262"/>
+                  </a:cubicBezTo>
+                  <a:cubicBezTo>
+                    <a:pt x="48126" y="134262"/>
+                    <a:pt x="23283" y="109419"/>
+                    <a:pt x="23283" y="78773"/>
+                  </a:cubicBezTo>
+                  <a:cubicBezTo>
+                    <a:pt x="23312" y="48139"/>
+                    <a:pt x="48139" y="23312"/>
+                    <a:pt x="78773" y="23283"/>
+                  </a:cubicBezTo>
+                  <a:moveTo>
+                    <a:pt x="78773" y="0"/>
+                  </a:moveTo>
+                  <a:cubicBezTo>
+                    <a:pt x="35268" y="0"/>
+                    <a:pt x="0" y="35268"/>
+                    <a:pt x="0" y="78773"/>
+                  </a:cubicBezTo>
+                  <a:cubicBezTo>
+                    <a:pt x="0" y="122277"/>
+                    <a:pt x="35268" y="157545"/>
+                    <a:pt x="78773" y="157545"/>
+                  </a:cubicBezTo>
+                  <a:cubicBezTo>
+                    <a:pt x="122277" y="157545"/>
+                    <a:pt x="157545" y="122277"/>
+                    <a:pt x="157545" y="78773"/>
+                  </a:cubicBezTo>
+                  <a:cubicBezTo>
+                    <a:pt x="157545" y="35268"/>
+                    <a:pt x="122277" y="0"/>
+                    <a:pt x="78773" y="0"/>
+                  </a:cubicBezTo>
+                  <a:close/>
+                </a:path>
+              </a:pathLst>
+            </a:custGeom>
+            <a:grpFill/>
+            <a:ln w="751" cap="flat">
+              <a:noFill/>
+              <a:prstDash val="solid"/>
+              <a:miter/>
+            </a:ln>
+          </p:spPr>
+          <p:txBody>
+            <a:bodyPr rtlCol="0" anchor="ctr"/>
+            <a:lstStyle/>
+            <a:p>
+              <a:endParaRPr lang="en-US"/>
+            </a:p>
+          </p:txBody>
+        </p:sp>
+      </p:grpSp>
+      <p:sp>
+        <p:nvSpPr>
+          <p:cNvPr id="3" name="Content Placeholder 2">
+            <a:extLst>
+              <a:ext uri="{FF2B5EF4-FFF2-40B4-BE49-F238E27FC236}">
+                <a16:creationId xmlns:a16="http://schemas.microsoft.com/office/drawing/2014/main" id="{8782FB5B-460E-E479-09CB-9CB40C847029}"/>
+              </a:ext>
+            </a:extLst>
+          </p:cNvPr>
+          <p:cNvSpPr>
+            <a:spLocks noGrp="1"/>
+          </p:cNvSpPr>
+          <p:nvPr>
+            <p:ph idx="1"/>
+          </p:nvPr>
+        </p:nvSpPr>
+        <p:spPr>
+          <a:xfrm>
+            <a:off x="4722923" y="518400"/>
+            <a:ext cx="3698039" cy="5837949"/>
+          </a:xfrm>
+        </p:spPr>
+        <p:txBody>
+          <a:bodyPr anchor="ctr">
+            <a:noAutofit/>
+          </a:bodyPr>
+          <a:lstStyle/>
+          <a:p>
+            <a:pPr marL="0" indent="0">
               <a:lnSpc>
                 <a:spcPct val="90000"/>
               </a:lnSpc>
+              <a:buNone/>
             </a:pPr>
             <a:r>
-              <a:rPr lang="en-US" sz="1100" dirty="0">
+              <a:rPr lang="en-US" sz="1200" dirty="0">
                 <a:solidFill>
                   <a:schemeClr val="tx1">
                     <a:alpha val="80000"/>
@@ -6293,7 +7256,7 @@
               <a:t>In this project, we built a machine learning model to predict ICU mortality using MIMIC data.</a:t>
             </a:r>
             <a:br>
-              <a:rPr lang="en-US" sz="1100" dirty="0">
+              <a:rPr lang="en-US" sz="1200" dirty="0">
                 <a:solidFill>
                   <a:schemeClr val="tx1">
                     <a:alpha val="80000"/>
@@ -6302,7 +7265,7 @@
               </a:rPr>
             </a:br>
             <a:br>
-              <a:rPr lang="en-US" sz="1100" dirty="0">
+              <a:rPr lang="en-US" sz="1200" dirty="0">
                 <a:solidFill>
                   <a:schemeClr val="tx1">
                     <a:alpha val="80000"/>
@@ -6311,7 +7274,7 @@
               </a:rPr>
             </a:br>
             <a:r>
-              <a:rPr lang="en-US" sz="1100" dirty="0">
+              <a:rPr lang="en-US" sz="1200" b="1" dirty="0">
                 <a:solidFill>
                   <a:schemeClr val="tx1">
                     <a:alpha val="80000"/>
@@ -6321,7 +7284,7 @@
               <a:t>Key outcomes:</a:t>
             </a:r>
             <a:br>
-              <a:rPr lang="en-US" sz="1100" b="1" dirty="0">
+              <a:rPr lang="en-US" sz="1200" b="1" dirty="0">
                 <a:solidFill>
                   <a:schemeClr val="tx1">
                     <a:alpha val="80000"/>
@@ -6330,7 +7293,7 @@
               </a:rPr>
             </a:br>
             <a:br>
-              <a:rPr lang="en-US" sz="1100" b="1" dirty="0">
+              <a:rPr lang="en-US" sz="1200" b="1" dirty="0">
                 <a:solidFill>
                   <a:schemeClr val="tx1">
                     <a:alpha val="80000"/>
@@ -6339,7 +7302,7 @@
               </a:rPr>
             </a:br>
             <a:r>
-              <a:rPr lang="en-US" sz="1100" i="1" dirty="0">
+              <a:rPr lang="en-US" sz="1200" i="1" dirty="0">
                 <a:solidFill>
                   <a:schemeClr val="tx1">
                     <a:alpha val="80000"/>
@@ -6349,7 +7312,7 @@
               <a:t>- </a:t>
             </a:r>
             <a:r>
-              <a:rPr lang="en-US" sz="1100" dirty="0">
+              <a:rPr lang="en-US" sz="1200" dirty="0">
                 <a:solidFill>
                   <a:schemeClr val="tx1">
                     <a:alpha val="80000"/>
@@ -6359,7 +7322,7 @@
               <a:t>We successfully merged ICU stay data with admission and patient demographics from MIMIC.</a:t>
             </a:r>
             <a:br>
-              <a:rPr lang="en-US" sz="1100" dirty="0">
+              <a:rPr lang="en-US" sz="1200" dirty="0">
                 <a:solidFill>
                   <a:schemeClr val="tx1">
                     <a:alpha val="80000"/>
@@ -6368,7 +7331,7 @@
               </a:rPr>
             </a:br>
             <a:r>
-              <a:rPr lang="en-US" sz="1100" i="1" dirty="0">
+              <a:rPr lang="en-US" sz="1200" i="1" dirty="0">
                 <a:solidFill>
                   <a:schemeClr val="tx1">
                     <a:alpha val="80000"/>
@@ -6378,7 +7341,7 @@
               <a:t>- </a:t>
             </a:r>
             <a:r>
-              <a:rPr lang="en-US" sz="1100" dirty="0">
+              <a:rPr lang="en-US" sz="1200" dirty="0">
                 <a:solidFill>
                   <a:schemeClr val="tx1">
                     <a:alpha val="80000"/>
@@ -6388,7 +7351,7 @@
               <a:t>Age, ICU length of stay (LOS), and hospital length of stay (LOS_DAYS) were useful predictors for mortality.</a:t>
             </a:r>
             <a:br>
-              <a:rPr lang="en-US" sz="1100" dirty="0">
+              <a:rPr lang="en-US" sz="1200" dirty="0">
                 <a:solidFill>
                   <a:schemeClr val="tx1">
                     <a:alpha val="80000"/>
@@ -6397,7 +7360,7 @@
               </a:rPr>
             </a:br>
             <a:r>
-              <a:rPr lang="en-US" sz="1100" i="1" dirty="0">
+              <a:rPr lang="en-US" sz="1200" i="1" dirty="0">
                 <a:solidFill>
                   <a:schemeClr val="tx1">
                     <a:alpha val="80000"/>
@@ -6407,7 +7370,7 @@
               <a:t>- </a:t>
             </a:r>
             <a:r>
-              <a:rPr lang="en-US" sz="1100" dirty="0">
+              <a:rPr lang="en-US" sz="1200" dirty="0">
                 <a:solidFill>
                   <a:schemeClr val="tx1">
                     <a:alpha val="80000"/>
@@ -6417,7 +7380,7 @@
               <a:t>Our </a:t>
             </a:r>
             <a:r>
-              <a:rPr lang="en-US" sz="1100" dirty="0" err="1">
+              <a:rPr lang="en-US" sz="1200" dirty="0" err="1">
                 <a:solidFill>
                   <a:schemeClr val="tx1">
                     <a:alpha val="80000"/>
@@ -6427,7 +7390,7 @@
               <a:t>XGBoost</a:t>
             </a:r>
             <a:r>
-              <a:rPr lang="en-US" sz="1100" dirty="0">
+              <a:rPr lang="en-US" sz="1200" dirty="0">
                 <a:solidFill>
                   <a:schemeClr val="tx1">
                     <a:alpha val="80000"/>
@@ -6437,7 +7400,7 @@
               <a:t> model achieved an AUC of approximately </a:t>
             </a:r>
             <a:r>
-              <a:rPr lang="en-US" sz="1100" b="1" dirty="0">
+              <a:rPr lang="en-US" sz="1200" b="1" dirty="0">
                 <a:solidFill>
                   <a:schemeClr val="tx1">
                     <a:alpha val="80000"/>
@@ -6447,7 +7410,7 @@
               <a:t>**</a:t>
             </a:r>
             <a:r>
-              <a:rPr lang="en-US" sz="1100" dirty="0">
+              <a:rPr lang="en-US" sz="1200" dirty="0">
                 <a:solidFill>
                   <a:schemeClr val="tx1">
                     <a:alpha val="80000"/>
@@ -6457,7 +7420,7 @@
               <a:t>0.8366</a:t>
             </a:r>
             <a:r>
-              <a:rPr lang="en-US" sz="1100" b="1" dirty="0">
+              <a:rPr lang="en-US" sz="1200" b="1" dirty="0">
                 <a:solidFill>
                   <a:schemeClr val="tx1">
                     <a:alpha val="80000"/>
@@ -6467,7 +7430,7 @@
               <a:t>**</a:t>
             </a:r>
             <a:r>
-              <a:rPr lang="en-US" sz="1100" dirty="0">
+              <a:rPr lang="en-US" sz="1200" dirty="0">
                 <a:solidFill>
                   <a:schemeClr val="tx1">
                     <a:alpha val="80000"/>
@@ -6477,7 +7440,7 @@
               <a:t>, indicating moderate discriminatory power.</a:t>
             </a:r>
             <a:br>
-              <a:rPr lang="en-US" sz="1100" dirty="0">
+              <a:rPr lang="en-US" sz="1200" dirty="0">
                 <a:solidFill>
                   <a:schemeClr val="tx1">
                     <a:alpha val="80000"/>
@@ -6486,7 +7449,7 @@
               </a:rPr>
             </a:br>
             <a:br>
-              <a:rPr lang="en-US" sz="1100" dirty="0">
+              <a:rPr lang="en-US" sz="1200" dirty="0">
                 <a:solidFill>
                   <a:schemeClr val="tx1">
                     <a:alpha val="80000"/>
@@ -6495,27 +7458,17 @@
               </a:rPr>
             </a:br>
             <a:r>
-              <a:rPr lang="en-US" sz="1100" b="1" dirty="0">
+              <a:rPr lang="en-US" sz="1200" b="1" dirty="0">
                 <a:solidFill>
                   <a:schemeClr val="tx1">
                     <a:alpha val="80000"/>
                   </a:schemeClr>
                 </a:solidFill>
               </a:rPr>
-              <a:t>I</a:t>
-            </a:r>
-            <a:r>
-              <a:rPr lang="en-US" sz="1100" dirty="0">
-                <a:solidFill>
-                  <a:schemeClr val="tx1">
-                    <a:alpha val="80000"/>
-                  </a:schemeClr>
-                </a:solidFill>
-              </a:rPr>
-              <a:t>nsights:</a:t>
+              <a:t>Insights:</a:t>
             </a:r>
             <a:br>
-              <a:rPr lang="en-US" sz="1100" b="1" dirty="0">
+              <a:rPr lang="en-US" sz="1200" b="1" dirty="0">
                 <a:solidFill>
                   <a:schemeClr val="tx1">
                     <a:alpha val="80000"/>
@@ -6524,7 +7477,7 @@
               </a:rPr>
             </a:br>
             <a:br>
-              <a:rPr lang="en-US" sz="1100" b="1" dirty="0">
+              <a:rPr lang="en-US" sz="1200" b="1" dirty="0">
                 <a:solidFill>
                   <a:schemeClr val="tx1">
                     <a:alpha val="80000"/>
@@ -6533,7 +7486,7 @@
               </a:rPr>
             </a:br>
             <a:r>
-              <a:rPr lang="en-US" sz="1100" i="1" dirty="0">
+              <a:rPr lang="en-US" sz="1200" i="1" dirty="0">
                 <a:solidFill>
                   <a:schemeClr val="tx1">
                     <a:alpha val="80000"/>
@@ -6543,7 +7496,7 @@
               <a:t>- </a:t>
             </a:r>
             <a:r>
-              <a:rPr lang="en-US" sz="1100" dirty="0">
+              <a:rPr lang="en-US" sz="1200" dirty="0">
                 <a:solidFill>
                   <a:schemeClr val="tx1">
                     <a:alpha val="80000"/>
@@ -6553,7 +7506,7 @@
               <a:t>Elderly patients and longer ICU stays were correlated with higher mortality risk.</a:t>
             </a:r>
             <a:br>
-              <a:rPr lang="en-US" sz="1100" dirty="0">
+              <a:rPr lang="en-US" sz="1200" dirty="0">
                 <a:solidFill>
                   <a:schemeClr val="tx1">
                     <a:alpha val="80000"/>
@@ -6562,7 +7515,7 @@
               </a:rPr>
             </a:br>
             <a:r>
-              <a:rPr lang="en-US" sz="1100" i="1" dirty="0">
+              <a:rPr lang="en-US" sz="1200" i="1" dirty="0">
                 <a:solidFill>
                   <a:schemeClr val="tx1">
                     <a:alpha val="80000"/>
@@ -6572,7 +7525,7 @@
               <a:t>- </a:t>
             </a:r>
             <a:r>
-              <a:rPr lang="en-US" sz="1100" dirty="0">
+              <a:rPr lang="en-US" sz="1200" dirty="0">
                 <a:solidFill>
                   <a:schemeClr val="tx1">
                     <a:alpha val="80000"/>
@@ -6582,7 +7535,7 @@
               <a:t>Even simple features can produce useful early predictions in clinical settings.</a:t>
             </a:r>
             <a:br>
-              <a:rPr lang="en-US" sz="1100" dirty="0">
+              <a:rPr lang="en-US" sz="1200" dirty="0">
                 <a:solidFill>
                   <a:schemeClr val="tx1">
                     <a:alpha val="80000"/>
@@ -6591,7 +7544,7 @@
               </a:rPr>
             </a:br>
             <a:r>
-              <a:rPr lang="en-US" sz="1100" i="1" dirty="0">
+              <a:rPr lang="en-US" sz="1200" i="1" dirty="0">
                 <a:solidFill>
                   <a:schemeClr val="tx1">
                     <a:alpha val="80000"/>
@@ -6601,7 +7554,7 @@
               <a:t>- </a:t>
             </a:r>
             <a:r>
-              <a:rPr lang="en-US" sz="1100" dirty="0">
+              <a:rPr lang="en-US" sz="1200" dirty="0">
                 <a:solidFill>
                   <a:schemeClr val="tx1">
                     <a:alpha val="80000"/>
@@ -6611,7 +7564,7 @@
               <a:t>Predictive modeling could help clinicians identify high-risk patients for closer monitoring or interventions.</a:t>
             </a:r>
             <a:br>
-              <a:rPr lang="en-US" sz="1100" dirty="0">
+              <a:rPr lang="en-US" sz="1200" dirty="0">
                 <a:solidFill>
                   <a:schemeClr val="tx1">
                     <a:alpha val="80000"/>
@@ -6620,7 +7573,7 @@
               </a:rPr>
             </a:br>
             <a:br>
-              <a:rPr lang="en-US" sz="1100" dirty="0">
+              <a:rPr lang="en-US" sz="1200" dirty="0">
                 <a:solidFill>
                   <a:schemeClr val="tx1">
                     <a:alpha val="80000"/>
@@ -6629,7 +7582,7 @@
               </a:rPr>
             </a:br>
             <a:r>
-              <a:rPr lang="en-US" sz="1100" dirty="0">
+              <a:rPr lang="en-US" sz="1200" b="1" dirty="0">
                 <a:solidFill>
                   <a:schemeClr val="tx1">
                     <a:alpha val="80000"/>
@@ -6638,8 +7591,16 @@
               </a:rPr>
               <a:t>Limitations:</a:t>
             </a:r>
+          </a:p>
+          <a:p>
+            <a:pPr marL="0" indent="0">
+              <a:lnSpc>
+                <a:spcPct val="90000"/>
+              </a:lnSpc>
+              <a:buNone/>
+            </a:pPr>
             <a:br>
-              <a:rPr lang="en-US" sz="1100" b="1" dirty="0">
+              <a:rPr lang="en-US" sz="1200" b="1" dirty="0">
                 <a:solidFill>
                   <a:schemeClr val="tx1">
                     <a:alpha val="80000"/>
@@ -6648,7 +7609,7 @@
               </a:rPr>
             </a:br>
             <a:r>
-              <a:rPr lang="en-US" sz="1100" i="1" dirty="0">
+              <a:rPr lang="en-US" sz="1200" i="1" dirty="0">
                 <a:solidFill>
                   <a:schemeClr val="tx1">
                     <a:alpha val="80000"/>
@@ -6658,7 +7619,7 @@
               <a:t>- </a:t>
             </a:r>
             <a:r>
-              <a:rPr lang="en-US" sz="1100" dirty="0">
+              <a:rPr lang="en-US" sz="1200" dirty="0">
                 <a:solidFill>
                   <a:schemeClr val="tx1">
                     <a:alpha val="80000"/>
@@ -6668,7 +7629,7 @@
               <a:t>Limited feature set; adding labs, vitals, and comorbidities could improve performance.</a:t>
             </a:r>
             <a:br>
-              <a:rPr lang="en-US" sz="1100" dirty="0">
+              <a:rPr lang="en-US" sz="1200" dirty="0">
                 <a:solidFill>
                   <a:schemeClr val="tx1">
                     <a:alpha val="80000"/>
@@ -6677,7 +7638,7 @@
               </a:rPr>
             </a:br>
             <a:r>
-              <a:rPr lang="en-US" sz="1100" i="1" dirty="0">
+              <a:rPr lang="en-US" sz="1200" i="1" dirty="0">
                 <a:solidFill>
                   <a:schemeClr val="tx1">
                     <a:alpha val="80000"/>
@@ -6687,7 +7648,7 @@
               <a:t>- </a:t>
             </a:r>
             <a:r>
-              <a:rPr lang="en-US" sz="1100" dirty="0">
+              <a:rPr lang="en-US" sz="1200" dirty="0">
                 <a:solidFill>
                   <a:schemeClr val="tx1">
                     <a:alpha val="80000"/>
@@ -6697,7 +7658,7 @@
               <a:t>Data from a single hospital system may limit generalizability.</a:t>
             </a:r>
             <a:br>
-              <a:rPr lang="en-US" sz="1100" dirty="0">
+              <a:rPr lang="en-US" sz="1200" dirty="0">
                 <a:solidFill>
                   <a:schemeClr val="tx1">
                     <a:alpha val="80000"/>
@@ -6706,7 +7667,7 @@
               </a:rPr>
             </a:br>
             <a:br>
-              <a:rPr lang="en-US" sz="1100" dirty="0">
+              <a:rPr lang="en-US" sz="1200" dirty="0">
                 <a:solidFill>
                   <a:schemeClr val="tx1">
                     <a:alpha val="80000"/>
@@ -6715,7 +7676,7 @@
               </a:rPr>
             </a:br>
             <a:r>
-              <a:rPr lang="en-US" sz="1100" dirty="0">
+              <a:rPr lang="en-US" sz="1200" dirty="0">
                 <a:solidFill>
                   <a:schemeClr val="tx1">
                     <a:alpha val="80000"/>
@@ -6725,7 +7686,7 @@
               <a:t>Overall, this project demonstrates that machine learning techniques like </a:t>
             </a:r>
             <a:r>
-              <a:rPr lang="en-US" sz="1100" dirty="0" err="1">
+              <a:rPr lang="en-US" sz="1200" dirty="0" err="1">
                 <a:solidFill>
                   <a:schemeClr val="tx1">
                     <a:alpha val="80000"/>
@@ -6735,7 +7696,7 @@
               <a:t>XGBoost</a:t>
             </a:r>
             <a:r>
-              <a:rPr lang="en-US" sz="1100" dirty="0">
+              <a:rPr lang="en-US" sz="1200" dirty="0">
                 <a:solidFill>
                   <a:schemeClr val="tx1">
                     <a:alpha val="80000"/>
@@ -6749,7 +7710,7 @@
       </p:sp>
       <p:cxnSp>
         <p:nvCxnSpPr>
-          <p:cNvPr id="45" name="Straight Connector 44">
+          <p:cNvPr id="73" name="Straight Connector 72">
             <a:extLst>
               <a:ext uri="{FF2B5EF4-FFF2-40B4-BE49-F238E27FC236}">
                 <a16:creationId xmlns:a16="http://schemas.microsoft.com/office/drawing/2014/main" id="{C49DA8F6-BCC1-4447-B54C-57856834B94B}"/>
@@ -6822,7 +7783,7 @@
 </p:sld>
 </file>
 
-<file path=ppt/slides/slide11.xml><?xml version="1.0" encoding="utf-8"?>
+<file path=ppt/slides/slide12.xml><?xml version="1.0" encoding="utf-8"?>
 <p:sld xmlns:a="http://schemas.openxmlformats.org/drawingml/2006/main" xmlns:r="http://schemas.openxmlformats.org/officeDocument/2006/relationships" xmlns:p="http://schemas.openxmlformats.org/presentationml/2006/main">
   <p:cSld>
     <p:bg>
@@ -8495,6 +9456,877 @@
     </p:bg>
     <p:spTree>
       <p:nvGrpSpPr>
+        <p:cNvPr id="1" name="">
+          <a:extLst>
+            <a:ext uri="{FF2B5EF4-FFF2-40B4-BE49-F238E27FC236}">
+              <a16:creationId xmlns:a16="http://schemas.microsoft.com/office/drawing/2014/main" id="{DAE42B94-BB25-C4DD-C5A8-34C05F041E6B}"/>
+            </a:ext>
+          </a:extLst>
+        </p:cNvPr>
+        <p:cNvGrpSpPr/>
+        <p:nvPr/>
+      </p:nvGrpSpPr>
+      <p:grpSpPr>
+        <a:xfrm>
+          <a:off x="0" y="0"/>
+          <a:ext cx="0" cy="0"/>
+          <a:chOff x="0" y="0"/>
+          <a:chExt cx="0" cy="0"/>
+        </a:xfrm>
+      </p:grpSpPr>
+      <p:sp useBgFill="1">
+        <p:nvSpPr>
+          <p:cNvPr id="22" name="Rectangle 21">
+            <a:extLst>
+              <a:ext uri="{FF2B5EF4-FFF2-40B4-BE49-F238E27FC236}">
+                <a16:creationId xmlns:a16="http://schemas.microsoft.com/office/drawing/2014/main" id="{A2679492-7988-4050-9056-542444452411}"/>
+              </a:ext>
+              <a:ext uri="{C183D7F6-B498-43B3-948B-1728B52AA6E4}">
+                <adec:decorative xmlns:adec="http://schemas.microsoft.com/office/drawing/2017/decorative" val="1"/>
+              </a:ext>
+            </a:extLst>
+          </p:cNvPr>
+          <p:cNvSpPr>
+            <a:spLocks noGrp="1" noRot="1" noChangeAspect="1" noMove="1" noResize="1" noEditPoints="1" noAdjustHandles="1" noChangeArrowheads="1" noChangeShapeType="1" noTextEdit="1"/>
+          </p:cNvSpPr>
+          <p:nvPr>
+            <p:extLst>
+              <p:ext uri="{386F3935-93C4-4BCD-93E2-E3B085C9AB24}">
+                <p16:designElem xmlns:p16="http://schemas.microsoft.com/office/powerpoint/2015/main" val="1"/>
+              </p:ext>
+            </p:extLst>
+          </p:nvPr>
+        </p:nvSpPr>
+        <p:spPr>
+          <a:xfrm>
+            <a:off x="0" y="0"/>
+            <a:ext cx="9144000" cy="6858000"/>
+          </a:xfrm>
+          <a:prstGeom prst="rect">
+            <a:avLst/>
+          </a:prstGeom>
+          <a:ln>
+            <a:noFill/>
+          </a:ln>
+        </p:spPr>
+        <p:style>
+          <a:lnRef idx="2">
+            <a:schemeClr val="accent1">
+              <a:shade val="50000"/>
+            </a:schemeClr>
+          </a:lnRef>
+          <a:fillRef idx="1">
+            <a:schemeClr val="accent1"/>
+          </a:fillRef>
+          <a:effectRef idx="0">
+            <a:schemeClr val="accent1"/>
+          </a:effectRef>
+          <a:fontRef idx="minor">
+            <a:schemeClr val="lt1"/>
+          </a:fontRef>
+        </p:style>
+        <p:txBody>
+          <a:bodyPr rtlCol="0" anchor="ctr"/>
+          <a:lstStyle/>
+          <a:p>
+            <a:pPr algn="ctr"/>
+            <a:endParaRPr lang="en-US"/>
+          </a:p>
+        </p:txBody>
+      </p:sp>
+      <p:sp>
+        <p:nvSpPr>
+          <p:cNvPr id="24" name="Rectangle 23">
+            <a:extLst>
+              <a:ext uri="{FF2B5EF4-FFF2-40B4-BE49-F238E27FC236}">
+                <a16:creationId xmlns:a16="http://schemas.microsoft.com/office/drawing/2014/main" id="{B091B163-7D61-4891-ABCF-5C13D9C418D0}"/>
+              </a:ext>
+              <a:ext uri="{C183D7F6-B498-43B3-948B-1728B52AA6E4}">
+                <adec:decorative xmlns:adec="http://schemas.microsoft.com/office/drawing/2017/decorative" val="1"/>
+              </a:ext>
+            </a:extLst>
+          </p:cNvPr>
+          <p:cNvSpPr>
+            <a:spLocks noGrp="1" noRot="1" noChangeAspect="1" noMove="1" noResize="1" noEditPoints="1" noAdjustHandles="1" noChangeArrowheads="1" noChangeShapeType="1" noTextEdit="1"/>
+          </p:cNvSpPr>
+          <p:nvPr>
+            <p:extLst>
+              <p:ext uri="{386F3935-93C4-4BCD-93E2-E3B085C9AB24}">
+                <p16:designElem xmlns:p16="http://schemas.microsoft.com/office/powerpoint/2015/main" val="1"/>
+              </p:ext>
+            </p:extLst>
+          </p:nvPr>
+        </p:nvSpPr>
+        <p:spPr>
+          <a:xfrm>
+            <a:off x="0" y="0"/>
+            <a:ext cx="4334933" cy="6858000"/>
+          </a:xfrm>
+          <a:prstGeom prst="rect">
+            <a:avLst/>
+          </a:prstGeom>
+          <a:gradFill flip="none" rotWithShape="1">
+            <a:gsLst>
+              <a:gs pos="0">
+                <a:schemeClr val="accent1"/>
+              </a:gs>
+              <a:gs pos="100000">
+                <a:schemeClr val="accent2"/>
+              </a:gs>
+            </a:gsLst>
+            <a:lin ang="2700000" scaled="1"/>
+            <a:tileRect/>
+          </a:gradFill>
+          <a:ln>
+            <a:noFill/>
+          </a:ln>
+        </p:spPr>
+        <p:style>
+          <a:lnRef idx="2">
+            <a:schemeClr val="accent1">
+              <a:shade val="50000"/>
+            </a:schemeClr>
+          </a:lnRef>
+          <a:fillRef idx="1">
+            <a:schemeClr val="accent1"/>
+          </a:fillRef>
+          <a:effectRef idx="0">
+            <a:schemeClr val="accent1"/>
+          </a:effectRef>
+          <a:fontRef idx="minor">
+            <a:schemeClr val="lt1"/>
+          </a:fontRef>
+        </p:style>
+        <p:txBody>
+          <a:bodyPr rtlCol="0" anchor="ctr"/>
+          <a:lstStyle/>
+          <a:p>
+            <a:pPr algn="ctr"/>
+            <a:endParaRPr lang="en-US">
+              <a:solidFill>
+                <a:schemeClr val="tx1"/>
+              </a:solidFill>
+            </a:endParaRPr>
+          </a:p>
+        </p:txBody>
+      </p:sp>
+      <p:sp>
+        <p:nvSpPr>
+          <p:cNvPr id="2" name="Title 1">
+            <a:extLst>
+              <a:ext uri="{FF2B5EF4-FFF2-40B4-BE49-F238E27FC236}">
+                <a16:creationId xmlns:a16="http://schemas.microsoft.com/office/drawing/2014/main" id="{1FFC8D45-694A-DB60-298B-701413013945}"/>
+              </a:ext>
+            </a:extLst>
+          </p:cNvPr>
+          <p:cNvSpPr>
+            <a:spLocks noGrp="1"/>
+          </p:cNvSpPr>
+          <p:nvPr>
+            <p:ph type="title"/>
+          </p:nvPr>
+        </p:nvSpPr>
+        <p:spPr>
+          <a:xfrm>
+            <a:off x="891051" y="381935"/>
+            <a:ext cx="3006438" cy="5974414"/>
+          </a:xfrm>
+        </p:spPr>
+        <p:txBody>
+          <a:bodyPr anchor="ctr">
+            <a:normAutofit/>
+          </a:bodyPr>
+          <a:lstStyle/>
+          <a:p>
+            <a:r>
+              <a:rPr lang="en-US" sz="5400">
+                <a:solidFill>
+                  <a:srgbClr val="FFFFFF"/>
+                </a:solidFill>
+              </a:rPr>
+              <a:t>Objective</a:t>
+            </a:r>
+          </a:p>
+        </p:txBody>
+      </p:sp>
+      <p:grpSp>
+        <p:nvGrpSpPr>
+          <p:cNvPr id="26" name="Group 25">
+            <a:extLst>
+              <a:ext uri="{FF2B5EF4-FFF2-40B4-BE49-F238E27FC236}">
+                <a16:creationId xmlns:a16="http://schemas.microsoft.com/office/drawing/2014/main" id="{0474DF76-993E-44DE-AFB0-C416182ACECF}"/>
+              </a:ext>
+              <a:ext uri="{C183D7F6-B498-43B3-948B-1728B52AA6E4}">
+                <adec:decorative xmlns:adec="http://schemas.microsoft.com/office/drawing/2017/decorative" val="1"/>
+              </a:ext>
+            </a:extLst>
+          </p:cNvPr>
+          <p:cNvGrpSpPr>
+            <a:grpSpLocks noGrp="1" noUngrp="1" noRot="1" noChangeAspect="1" noMove="1" noResize="1"/>
+          </p:cNvGrpSpPr>
+          <p:nvPr>
+            <p:extLst>
+              <p:ext uri="{386F3935-93C4-4BCD-93E2-E3B085C9AB24}">
+                <p16:designElem xmlns:p16="http://schemas.microsoft.com/office/powerpoint/2015/main" val="1"/>
+              </p:ext>
+            </p:extLst>
+          </p:nvPr>
+        </p:nvGrpSpPr>
+        <p:grpSpPr>
+          <a:xfrm>
+            <a:off x="460420" y="554152"/>
+            <a:ext cx="430632" cy="1075866"/>
+            <a:chOff x="613892" y="554152"/>
+            <a:chExt cx="574177" cy="1075866"/>
+          </a:xfrm>
+          <a:solidFill>
+            <a:srgbClr val="FFFFFF"/>
+          </a:solidFill>
+        </p:grpSpPr>
+        <p:sp>
+          <p:nvSpPr>
+            <p:cNvPr id="27" name="Graphic 11">
+              <a:extLst>
+                <a:ext uri="{FF2B5EF4-FFF2-40B4-BE49-F238E27FC236}">
+                  <a16:creationId xmlns:a16="http://schemas.microsoft.com/office/drawing/2014/main" id="{6CB927A4-E432-4310-9CD5-E89FF5063179}"/>
+                </a:ext>
+                <a:ext uri="{C183D7F6-B498-43B3-948B-1728B52AA6E4}">
+                  <adec:decorative xmlns:adec="http://schemas.microsoft.com/office/drawing/2017/decorative" val="1"/>
+                </a:ext>
+              </a:extLst>
+            </p:cNvPr>
+            <p:cNvSpPr/>
+            <p:nvPr>
+              <p:extLst>
+                <p:ext uri="{386F3935-93C4-4BCD-93E2-E3B085C9AB24}">
+                  <p16:designElem xmlns:p16="http://schemas.microsoft.com/office/powerpoint/2015/main" val="1"/>
+                </p:ext>
+              </p:extLst>
+            </p:nvPr>
+          </p:nvSpPr>
+          <p:spPr>
+            <a:xfrm>
+              <a:off x="633061" y="554152"/>
+              <a:ext cx="171515" cy="171515"/>
+            </a:xfrm>
+            <a:custGeom>
+              <a:avLst/>
+              <a:gdLst>
+                <a:gd name="connsiteX0" fmla="*/ 159874 w 171515"/>
+                <a:gd name="connsiteY0" fmla="*/ 74116 h 171515"/>
+                <a:gd name="connsiteX1" fmla="*/ 97399 w 171515"/>
+                <a:gd name="connsiteY1" fmla="*/ 74116 h 171515"/>
+                <a:gd name="connsiteX2" fmla="*/ 97399 w 171515"/>
+                <a:gd name="connsiteY2" fmla="*/ 11641 h 171515"/>
+                <a:gd name="connsiteX3" fmla="*/ 85758 w 171515"/>
+                <a:gd name="connsiteY3" fmla="*/ 0 h 171515"/>
+                <a:gd name="connsiteX4" fmla="*/ 74116 w 171515"/>
+                <a:gd name="connsiteY4" fmla="*/ 11641 h 171515"/>
+                <a:gd name="connsiteX5" fmla="*/ 74116 w 171515"/>
+                <a:gd name="connsiteY5" fmla="*/ 74116 h 171515"/>
+                <a:gd name="connsiteX6" fmla="*/ 11641 w 171515"/>
+                <a:gd name="connsiteY6" fmla="*/ 74116 h 171515"/>
+                <a:gd name="connsiteX7" fmla="*/ 0 w 171515"/>
+                <a:gd name="connsiteY7" fmla="*/ 85758 h 171515"/>
+                <a:gd name="connsiteX8" fmla="*/ 11641 w 171515"/>
+                <a:gd name="connsiteY8" fmla="*/ 97399 h 171515"/>
+                <a:gd name="connsiteX9" fmla="*/ 74116 w 171515"/>
+                <a:gd name="connsiteY9" fmla="*/ 97399 h 171515"/>
+                <a:gd name="connsiteX10" fmla="*/ 74116 w 171515"/>
+                <a:gd name="connsiteY10" fmla="*/ 159874 h 171515"/>
+                <a:gd name="connsiteX11" fmla="*/ 85758 w 171515"/>
+                <a:gd name="connsiteY11" fmla="*/ 171515 h 171515"/>
+                <a:gd name="connsiteX12" fmla="*/ 97399 w 171515"/>
+                <a:gd name="connsiteY12" fmla="*/ 159874 h 171515"/>
+                <a:gd name="connsiteX13" fmla="*/ 97399 w 171515"/>
+                <a:gd name="connsiteY13" fmla="*/ 97399 h 171515"/>
+                <a:gd name="connsiteX14" fmla="*/ 159874 w 171515"/>
+                <a:gd name="connsiteY14" fmla="*/ 97399 h 171515"/>
+                <a:gd name="connsiteX15" fmla="*/ 171515 w 171515"/>
+                <a:gd name="connsiteY15" fmla="*/ 85758 h 171515"/>
+                <a:gd name="connsiteX16" fmla="*/ 159874 w 171515"/>
+                <a:gd name="connsiteY16" fmla="*/ 74116 h 171515"/>
+              </a:gdLst>
+              <a:ahLst/>
+              <a:cxnLst>
+                <a:cxn ang="0">
+                  <a:pos x="connsiteX0" y="connsiteY0"/>
+                </a:cxn>
+                <a:cxn ang="0">
+                  <a:pos x="connsiteX1" y="connsiteY1"/>
+                </a:cxn>
+                <a:cxn ang="0">
+                  <a:pos x="connsiteX2" y="connsiteY2"/>
+                </a:cxn>
+                <a:cxn ang="0">
+                  <a:pos x="connsiteX3" y="connsiteY3"/>
+                </a:cxn>
+                <a:cxn ang="0">
+                  <a:pos x="connsiteX4" y="connsiteY4"/>
+                </a:cxn>
+                <a:cxn ang="0">
+                  <a:pos x="connsiteX5" y="connsiteY5"/>
+                </a:cxn>
+                <a:cxn ang="0">
+                  <a:pos x="connsiteX6" y="connsiteY6"/>
+                </a:cxn>
+                <a:cxn ang="0">
+                  <a:pos x="connsiteX7" y="connsiteY7"/>
+                </a:cxn>
+                <a:cxn ang="0">
+                  <a:pos x="connsiteX8" y="connsiteY8"/>
+                </a:cxn>
+                <a:cxn ang="0">
+                  <a:pos x="connsiteX9" y="connsiteY9"/>
+                </a:cxn>
+                <a:cxn ang="0">
+                  <a:pos x="connsiteX10" y="connsiteY10"/>
+                </a:cxn>
+                <a:cxn ang="0">
+                  <a:pos x="connsiteX11" y="connsiteY11"/>
+                </a:cxn>
+                <a:cxn ang="0">
+                  <a:pos x="connsiteX12" y="connsiteY12"/>
+                </a:cxn>
+                <a:cxn ang="0">
+                  <a:pos x="connsiteX13" y="connsiteY13"/>
+                </a:cxn>
+                <a:cxn ang="0">
+                  <a:pos x="connsiteX14" y="connsiteY14"/>
+                </a:cxn>
+                <a:cxn ang="0">
+                  <a:pos x="connsiteX15" y="connsiteY15"/>
+                </a:cxn>
+                <a:cxn ang="0">
+                  <a:pos x="connsiteX16" y="connsiteY16"/>
+                </a:cxn>
+              </a:cxnLst>
+              <a:rect l="l" t="t" r="r" b="b"/>
+              <a:pathLst>
+                <a:path w="171515" h="171515">
+                  <a:moveTo>
+                    <a:pt x="159874" y="74116"/>
+                  </a:moveTo>
+                  <a:lnTo>
+                    <a:pt x="97399" y="74116"/>
+                  </a:lnTo>
+                  <a:lnTo>
+                    <a:pt x="97399" y="11641"/>
+                  </a:lnTo>
+                  <a:cubicBezTo>
+                    <a:pt x="97399" y="5212"/>
+                    <a:pt x="92187" y="0"/>
+                    <a:pt x="85758" y="0"/>
+                  </a:cubicBezTo>
+                  <a:cubicBezTo>
+                    <a:pt x="79328" y="0"/>
+                    <a:pt x="74116" y="5212"/>
+                    <a:pt x="74116" y="11641"/>
+                  </a:cubicBezTo>
+                  <a:lnTo>
+                    <a:pt x="74116" y="74116"/>
+                  </a:lnTo>
+                  <a:lnTo>
+                    <a:pt x="11641" y="74116"/>
+                  </a:lnTo>
+                  <a:cubicBezTo>
+                    <a:pt x="5212" y="74116"/>
+                    <a:pt x="0" y="79328"/>
+                    <a:pt x="0" y="85758"/>
+                  </a:cubicBezTo>
+                  <a:cubicBezTo>
+                    <a:pt x="0" y="92187"/>
+                    <a:pt x="5212" y="97399"/>
+                    <a:pt x="11641" y="97399"/>
+                  </a:cubicBezTo>
+                  <a:lnTo>
+                    <a:pt x="74116" y="97399"/>
+                  </a:lnTo>
+                  <a:lnTo>
+                    <a:pt x="74116" y="159874"/>
+                  </a:lnTo>
+                  <a:cubicBezTo>
+                    <a:pt x="74116" y="166303"/>
+                    <a:pt x="79328" y="171515"/>
+                    <a:pt x="85758" y="171515"/>
+                  </a:cubicBezTo>
+                  <a:cubicBezTo>
+                    <a:pt x="92187" y="171515"/>
+                    <a:pt x="97399" y="166303"/>
+                    <a:pt x="97399" y="159874"/>
+                  </a:cubicBezTo>
+                  <a:lnTo>
+                    <a:pt x="97399" y="97399"/>
+                  </a:lnTo>
+                  <a:lnTo>
+                    <a:pt x="159874" y="97399"/>
+                  </a:lnTo>
+                  <a:cubicBezTo>
+                    <a:pt x="166303" y="97399"/>
+                    <a:pt x="171515" y="92187"/>
+                    <a:pt x="171515" y="85758"/>
+                  </a:cubicBezTo>
+                  <a:cubicBezTo>
+                    <a:pt x="171515" y="79328"/>
+                    <a:pt x="166303" y="74116"/>
+                    <a:pt x="159874" y="74116"/>
+                  </a:cubicBezTo>
+                  <a:close/>
+                </a:path>
+              </a:pathLst>
+            </a:custGeom>
+            <a:grpFill/>
+            <a:ln w="776" cap="flat">
+              <a:noFill/>
+              <a:prstDash val="solid"/>
+              <a:miter/>
+            </a:ln>
+          </p:spPr>
+          <p:txBody>
+            <a:bodyPr rtlCol="0" anchor="ctr"/>
+            <a:lstStyle/>
+            <a:p>
+              <a:endParaRPr lang="en-US"/>
+            </a:p>
+          </p:txBody>
+        </p:sp>
+        <p:sp>
+          <p:nvSpPr>
+            <p:cNvPr id="28" name="Graphic 10">
+              <a:extLst>
+                <a:ext uri="{FF2B5EF4-FFF2-40B4-BE49-F238E27FC236}">
+                  <a16:creationId xmlns:a16="http://schemas.microsoft.com/office/drawing/2014/main" id="{E3020543-B24B-4EC4-8FFC-8DD88EEA91A8}"/>
+                </a:ext>
+                <a:ext uri="{C183D7F6-B498-43B3-948B-1728B52AA6E4}">
+                  <adec:decorative xmlns:adec="http://schemas.microsoft.com/office/drawing/2017/decorative" val="1"/>
+                </a:ext>
+              </a:extLst>
+            </p:cNvPr>
+            <p:cNvSpPr/>
+            <p:nvPr>
+              <p:extLst>
+                <p:ext uri="{386F3935-93C4-4BCD-93E2-E3B085C9AB24}">
+                  <p16:designElem xmlns:p16="http://schemas.microsoft.com/office/powerpoint/2015/main" val="1"/>
+                </p:ext>
+              </p:extLst>
+            </p:nvPr>
+          </p:nvSpPr>
+          <p:spPr>
+            <a:xfrm>
+              <a:off x="1075643" y="837005"/>
+              <a:ext cx="112426" cy="112426"/>
+            </a:xfrm>
+            <a:custGeom>
+              <a:avLst/>
+              <a:gdLst>
+                <a:gd name="connsiteX0" fmla="*/ 112426 w 112426"/>
+                <a:gd name="connsiteY0" fmla="*/ 56213 h 112426"/>
+                <a:gd name="connsiteX1" fmla="*/ 56213 w 112426"/>
+                <a:gd name="connsiteY1" fmla="*/ 112426 h 112426"/>
+                <a:gd name="connsiteX2" fmla="*/ 0 w 112426"/>
+                <a:gd name="connsiteY2" fmla="*/ 56213 h 112426"/>
+                <a:gd name="connsiteX3" fmla="*/ 56213 w 112426"/>
+                <a:gd name="connsiteY3" fmla="*/ 0 h 112426"/>
+                <a:gd name="connsiteX4" fmla="*/ 112426 w 112426"/>
+                <a:gd name="connsiteY4" fmla="*/ 56213 h 112426"/>
+              </a:gdLst>
+              <a:ahLst/>
+              <a:cxnLst>
+                <a:cxn ang="0">
+                  <a:pos x="connsiteX0" y="connsiteY0"/>
+                </a:cxn>
+                <a:cxn ang="0">
+                  <a:pos x="connsiteX1" y="connsiteY1"/>
+                </a:cxn>
+                <a:cxn ang="0">
+                  <a:pos x="connsiteX2" y="connsiteY2"/>
+                </a:cxn>
+                <a:cxn ang="0">
+                  <a:pos x="connsiteX3" y="connsiteY3"/>
+                </a:cxn>
+                <a:cxn ang="0">
+                  <a:pos x="connsiteX4" y="connsiteY4"/>
+                </a:cxn>
+              </a:cxnLst>
+              <a:rect l="l" t="t" r="r" b="b"/>
+              <a:pathLst>
+                <a:path w="112426" h="112426">
+                  <a:moveTo>
+                    <a:pt x="112426" y="56213"/>
+                  </a:moveTo>
+                  <a:cubicBezTo>
+                    <a:pt x="112426" y="87259"/>
+                    <a:pt x="87259" y="112426"/>
+                    <a:pt x="56213" y="112426"/>
+                  </a:cubicBezTo>
+                  <a:cubicBezTo>
+                    <a:pt x="25167" y="112426"/>
+                    <a:pt x="0" y="87259"/>
+                    <a:pt x="0" y="56213"/>
+                  </a:cubicBezTo>
+                  <a:cubicBezTo>
+                    <a:pt x="0" y="25167"/>
+                    <a:pt x="25167" y="0"/>
+                    <a:pt x="56213" y="0"/>
+                  </a:cubicBezTo>
+                  <a:cubicBezTo>
+                    <a:pt x="87259" y="0"/>
+                    <a:pt x="112426" y="25167"/>
+                    <a:pt x="112426" y="56213"/>
+                  </a:cubicBezTo>
+                  <a:close/>
+                </a:path>
+              </a:pathLst>
+            </a:custGeom>
+            <a:grpFill/>
+            <a:ln w="516" cap="flat">
+              <a:noFill/>
+              <a:prstDash val="solid"/>
+              <a:miter/>
+            </a:ln>
+          </p:spPr>
+          <p:txBody>
+            <a:bodyPr rtlCol="0" anchor="ctr"/>
+            <a:lstStyle/>
+            <a:p>
+              <a:endParaRPr lang="en-US"/>
+            </a:p>
+          </p:txBody>
+        </p:sp>
+        <p:sp>
+          <p:nvSpPr>
+            <p:cNvPr id="29" name="Graphic 12">
+              <a:extLst>
+                <a:ext uri="{FF2B5EF4-FFF2-40B4-BE49-F238E27FC236}">
+                  <a16:creationId xmlns:a16="http://schemas.microsoft.com/office/drawing/2014/main" id="{1453BF6C-B012-48B7-B4E8-6D7AC7C27D02}"/>
+                </a:ext>
+                <a:ext uri="{C183D7F6-B498-43B3-948B-1728B52AA6E4}">
+                  <adec:decorative xmlns:adec="http://schemas.microsoft.com/office/drawing/2017/decorative" val="1"/>
+                </a:ext>
+              </a:extLst>
+            </p:cNvPr>
+            <p:cNvSpPr/>
+            <p:nvPr>
+              <p:extLst>
+                <p:ext uri="{386F3935-93C4-4BCD-93E2-E3B085C9AB24}">
+                  <p16:designElem xmlns:p16="http://schemas.microsoft.com/office/powerpoint/2015/main" val="1"/>
+                </p:ext>
+              </p:extLst>
+            </p:nvPr>
+          </p:nvSpPr>
+          <p:spPr>
+            <a:xfrm>
+              <a:off x="613892" y="1472473"/>
+              <a:ext cx="157545" cy="157545"/>
+            </a:xfrm>
+            <a:custGeom>
+              <a:avLst/>
+              <a:gdLst>
+                <a:gd name="connsiteX0" fmla="*/ 78773 w 157545"/>
+                <a:gd name="connsiteY0" fmla="*/ 23283 h 157545"/>
+                <a:gd name="connsiteX1" fmla="*/ 134262 w 157545"/>
+                <a:gd name="connsiteY1" fmla="*/ 78773 h 157545"/>
+                <a:gd name="connsiteX2" fmla="*/ 78773 w 157545"/>
+                <a:gd name="connsiteY2" fmla="*/ 134262 h 157545"/>
+                <a:gd name="connsiteX3" fmla="*/ 23283 w 157545"/>
+                <a:gd name="connsiteY3" fmla="*/ 78773 h 157545"/>
+                <a:gd name="connsiteX4" fmla="*/ 78773 w 157545"/>
+                <a:gd name="connsiteY4" fmla="*/ 23283 h 157545"/>
+                <a:gd name="connsiteX5" fmla="*/ 78773 w 157545"/>
+                <a:gd name="connsiteY5" fmla="*/ 0 h 157545"/>
+                <a:gd name="connsiteX6" fmla="*/ 0 w 157545"/>
+                <a:gd name="connsiteY6" fmla="*/ 78773 h 157545"/>
+                <a:gd name="connsiteX7" fmla="*/ 78773 w 157545"/>
+                <a:gd name="connsiteY7" fmla="*/ 157545 h 157545"/>
+                <a:gd name="connsiteX8" fmla="*/ 157545 w 157545"/>
+                <a:gd name="connsiteY8" fmla="*/ 78773 h 157545"/>
+                <a:gd name="connsiteX9" fmla="*/ 78773 w 157545"/>
+                <a:gd name="connsiteY9" fmla="*/ 0 h 157545"/>
+              </a:gdLst>
+              <a:ahLst/>
+              <a:cxnLst>
+                <a:cxn ang="0">
+                  <a:pos x="connsiteX0" y="connsiteY0"/>
+                </a:cxn>
+                <a:cxn ang="0">
+                  <a:pos x="connsiteX1" y="connsiteY1"/>
+                </a:cxn>
+                <a:cxn ang="0">
+                  <a:pos x="connsiteX2" y="connsiteY2"/>
+                </a:cxn>
+                <a:cxn ang="0">
+                  <a:pos x="connsiteX3" y="connsiteY3"/>
+                </a:cxn>
+                <a:cxn ang="0">
+                  <a:pos x="connsiteX4" y="connsiteY4"/>
+                </a:cxn>
+                <a:cxn ang="0">
+                  <a:pos x="connsiteX5" y="connsiteY5"/>
+                </a:cxn>
+                <a:cxn ang="0">
+                  <a:pos x="connsiteX6" y="connsiteY6"/>
+                </a:cxn>
+                <a:cxn ang="0">
+                  <a:pos x="connsiteX7" y="connsiteY7"/>
+                </a:cxn>
+                <a:cxn ang="0">
+                  <a:pos x="connsiteX8" y="connsiteY8"/>
+                </a:cxn>
+                <a:cxn ang="0">
+                  <a:pos x="connsiteX9" y="connsiteY9"/>
+                </a:cxn>
+              </a:cxnLst>
+              <a:rect l="l" t="t" r="r" b="b"/>
+              <a:pathLst>
+                <a:path w="157545" h="157545">
+                  <a:moveTo>
+                    <a:pt x="78773" y="23283"/>
+                  </a:moveTo>
+                  <a:cubicBezTo>
+                    <a:pt x="109419" y="23283"/>
+                    <a:pt x="134262" y="48126"/>
+                    <a:pt x="134262" y="78773"/>
+                  </a:cubicBezTo>
+                  <a:cubicBezTo>
+                    <a:pt x="134262" y="109419"/>
+                    <a:pt x="109419" y="134262"/>
+                    <a:pt x="78773" y="134262"/>
+                  </a:cubicBezTo>
+                  <a:cubicBezTo>
+                    <a:pt x="48126" y="134262"/>
+                    <a:pt x="23283" y="109419"/>
+                    <a:pt x="23283" y="78773"/>
+                  </a:cubicBezTo>
+                  <a:cubicBezTo>
+                    <a:pt x="23312" y="48139"/>
+                    <a:pt x="48139" y="23312"/>
+                    <a:pt x="78773" y="23283"/>
+                  </a:cubicBezTo>
+                  <a:moveTo>
+                    <a:pt x="78773" y="0"/>
+                  </a:moveTo>
+                  <a:cubicBezTo>
+                    <a:pt x="35268" y="0"/>
+                    <a:pt x="0" y="35268"/>
+                    <a:pt x="0" y="78773"/>
+                  </a:cubicBezTo>
+                  <a:cubicBezTo>
+                    <a:pt x="0" y="122277"/>
+                    <a:pt x="35268" y="157545"/>
+                    <a:pt x="78773" y="157545"/>
+                  </a:cubicBezTo>
+                  <a:cubicBezTo>
+                    <a:pt x="122277" y="157545"/>
+                    <a:pt x="157545" y="122277"/>
+                    <a:pt x="157545" y="78773"/>
+                  </a:cubicBezTo>
+                  <a:cubicBezTo>
+                    <a:pt x="157545" y="35268"/>
+                    <a:pt x="122277" y="0"/>
+                    <a:pt x="78773" y="0"/>
+                  </a:cubicBezTo>
+                  <a:close/>
+                </a:path>
+              </a:pathLst>
+            </a:custGeom>
+            <a:grpFill/>
+            <a:ln w="751" cap="flat">
+              <a:noFill/>
+              <a:prstDash val="solid"/>
+              <a:miter/>
+            </a:ln>
+          </p:spPr>
+          <p:txBody>
+            <a:bodyPr rtlCol="0" anchor="ctr"/>
+            <a:lstStyle/>
+            <a:p>
+              <a:endParaRPr lang="en-US"/>
+            </a:p>
+          </p:txBody>
+        </p:sp>
+      </p:grpSp>
+      <p:sp>
+        <p:nvSpPr>
+          <p:cNvPr id="3" name="Content Placeholder 2">
+            <a:extLst>
+              <a:ext uri="{FF2B5EF4-FFF2-40B4-BE49-F238E27FC236}">
+                <a16:creationId xmlns:a16="http://schemas.microsoft.com/office/drawing/2014/main" id="{0A9765F0-DDA7-881A-8FEC-DC3BF08045FE}"/>
+              </a:ext>
+            </a:extLst>
+          </p:cNvPr>
+          <p:cNvSpPr>
+            <a:spLocks noGrp="1"/>
+          </p:cNvSpPr>
+          <p:nvPr>
+            <p:ph idx="1"/>
+          </p:nvPr>
+        </p:nvSpPr>
+        <p:spPr>
+          <a:xfrm>
+            <a:off x="4722924" y="518400"/>
+            <a:ext cx="3578706" cy="5837949"/>
+          </a:xfrm>
+        </p:spPr>
+        <p:txBody>
+          <a:bodyPr anchor="ctr">
+            <a:normAutofit/>
+          </a:bodyPr>
+          <a:lstStyle/>
+          <a:p>
+            <a:pPr>
+              <a:lnSpc>
+                <a:spcPct val="90000"/>
+              </a:lnSpc>
+            </a:pPr>
+            <a:r>
+              <a:rPr lang="en-US" sz="1700" dirty="0">
+                <a:solidFill>
+                  <a:schemeClr val="tx1">
+                    <a:alpha val="80000"/>
+                  </a:schemeClr>
+                </a:solidFill>
+              </a:rPr>
+              <a:t>Intensive Care Units (ICUs) care for critically ill patients, where predicting patient outcomes is vital for resource allocation and clinical decision-making. One key outcome of interest is hospital mortality, as early identification of high-risk patients could help improve care and reduce mortality rates.</a:t>
+            </a:r>
+            <a:br>
+              <a:rPr lang="en-US" sz="1700" dirty="0">
+                <a:solidFill>
+                  <a:schemeClr val="tx1">
+                    <a:alpha val="80000"/>
+                  </a:schemeClr>
+                </a:solidFill>
+              </a:rPr>
+            </a:br>
+            <a:br>
+              <a:rPr lang="en-US" sz="1700" dirty="0">
+                <a:solidFill>
+                  <a:schemeClr val="tx1">
+                    <a:alpha val="80000"/>
+                  </a:schemeClr>
+                </a:solidFill>
+              </a:rPr>
+            </a:br>
+            <a:r>
+              <a:rPr lang="en-US" sz="1700" dirty="0">
+                <a:solidFill>
+                  <a:schemeClr val="tx1">
+                    <a:alpha val="80000"/>
+                  </a:schemeClr>
+                </a:solidFill>
+              </a:rPr>
+              <a:t>In this project, we analyze data from the MIMIC database to build a machine learning model that predicts whether a patient admitted to the ICU will survive their hospital stay. We focus on easily available features such as age and length of stay and use the </a:t>
+            </a:r>
+            <a:r>
+              <a:rPr lang="en-US" sz="1700" dirty="0" err="1">
+                <a:solidFill>
+                  <a:schemeClr val="tx1">
+                    <a:alpha val="80000"/>
+                  </a:schemeClr>
+                </a:solidFill>
+              </a:rPr>
+              <a:t>XGBoost</a:t>
+            </a:r>
+            <a:r>
+              <a:rPr lang="en-US" sz="1700" dirty="0">
+                <a:solidFill>
+                  <a:schemeClr val="tx1">
+                    <a:alpha val="80000"/>
+                  </a:schemeClr>
+                </a:solidFill>
+              </a:rPr>
+              <a:t> algorithm for modeling. Our goal is to demonstrate how machine learning can contribute to outcome prediction in critical care settings.</a:t>
+            </a:r>
+          </a:p>
+        </p:txBody>
+      </p:sp>
+      <p:cxnSp>
+        <p:nvCxnSpPr>
+          <p:cNvPr id="31" name="Straight Connector 30">
+            <a:extLst>
+              <a:ext uri="{FF2B5EF4-FFF2-40B4-BE49-F238E27FC236}">
+                <a16:creationId xmlns:a16="http://schemas.microsoft.com/office/drawing/2014/main" id="{C49DA8F6-BCC1-4447-B54C-57856834B94B}"/>
+              </a:ext>
+              <a:ext uri="{C183D7F6-B498-43B3-948B-1728B52AA6E4}">
+                <adec:decorative xmlns:adec="http://schemas.microsoft.com/office/drawing/2017/decorative" val="1"/>
+              </a:ext>
+            </a:extLst>
+          </p:cNvPr>
+          <p:cNvCxnSpPr>
+            <a:cxnSpLocks noGrp="1" noRot="1" noChangeAspect="1" noMove="1" noResize="1" noEditPoints="1" noAdjustHandles="1" noChangeArrowheads="1" noChangeShapeType="1"/>
+          </p:cNvCxnSpPr>
+          <p:nvPr>
+            <p:extLst>
+              <p:ext uri="{386F3935-93C4-4BCD-93E2-E3B085C9AB24}">
+                <p16:designElem xmlns:p16="http://schemas.microsoft.com/office/powerpoint/2015/main" val="1"/>
+              </p:ext>
+            </p:extLst>
+          </p:nvPr>
+        </p:nvCxnSpPr>
+        <p:spPr>
+          <a:xfrm>
+            <a:off x="8689621" y="3610394"/>
+            <a:ext cx="0" cy="3238728"/>
+          </a:xfrm>
+          <a:prstGeom prst="line">
+            <a:avLst/>
+          </a:prstGeom>
+          <a:ln w="25400" cap="sq">
+            <a:gradFill flip="none" rotWithShape="1">
+              <a:gsLst>
+                <a:gs pos="0">
+                  <a:schemeClr val="accent1"/>
+                </a:gs>
+                <a:gs pos="100000">
+                  <a:schemeClr val="accent2"/>
+                </a:gs>
+              </a:gsLst>
+              <a:lin ang="5400000" scaled="0"/>
+              <a:tileRect/>
+            </a:gradFill>
+            <a:bevel/>
+          </a:ln>
+        </p:spPr>
+        <p:style>
+          <a:lnRef idx="1">
+            <a:schemeClr val="accent1"/>
+          </a:lnRef>
+          <a:fillRef idx="0">
+            <a:schemeClr val="accent1"/>
+          </a:fillRef>
+          <a:effectRef idx="0">
+            <a:schemeClr val="accent1"/>
+          </a:effectRef>
+          <a:fontRef idx="minor">
+            <a:schemeClr val="tx1"/>
+          </a:fontRef>
+        </p:style>
+      </p:cxnSp>
+    </p:spTree>
+    <p:extLst>
+      <p:ext uri="{BB962C8B-B14F-4D97-AF65-F5344CB8AC3E}">
+        <p14:creationId xmlns:p14="http://schemas.microsoft.com/office/powerpoint/2010/main" val="2897347229"/>
+      </p:ext>
+    </p:extLst>
+  </p:cSld>
+  <p:clrMapOvr>
+    <a:masterClrMapping/>
+  </p:clrMapOvr>
+</p:sld>
+</file>
+
+<file path=ppt/slides/slide4.xml><?xml version="1.0" encoding="utf-8"?>
+<p:sld xmlns:a="http://schemas.openxmlformats.org/drawingml/2006/main" xmlns:r="http://schemas.openxmlformats.org/officeDocument/2006/relationships" xmlns:p="http://schemas.openxmlformats.org/presentationml/2006/main">
+  <p:cSld>
+    <p:bg>
+      <p:bgPr>
+        <a:solidFill>
+          <a:schemeClr val="bg1"/>
+        </a:solidFill>
+        <a:effectLst/>
+      </p:bgPr>
+    </p:bg>
+    <p:spTree>
+      <p:nvGrpSpPr>
         <p:cNvPr id="1" name=""/>
         <p:cNvGrpSpPr/>
         <p:nvPr/>
@@ -9251,837 +11083,6 @@
                 </a:solidFill>
               </a:rPr>
               <a:t>- Data stored as CSV files locally</a:t>
-            </a:r>
-          </a:p>
-        </p:txBody>
-      </p:sp>
-      <p:cxnSp>
-        <p:nvCxnSpPr>
-          <p:cNvPr id="17" name="Straight Connector 16">
-            <a:extLst>
-              <a:ext uri="{FF2B5EF4-FFF2-40B4-BE49-F238E27FC236}">
-                <a16:creationId xmlns:a16="http://schemas.microsoft.com/office/drawing/2014/main" id="{C49DA8F6-BCC1-4447-B54C-57856834B94B}"/>
-              </a:ext>
-              <a:ext uri="{C183D7F6-B498-43B3-948B-1728B52AA6E4}">
-                <adec:decorative xmlns:adec="http://schemas.microsoft.com/office/drawing/2017/decorative" val="1"/>
-              </a:ext>
-            </a:extLst>
-          </p:cNvPr>
-          <p:cNvCxnSpPr>
-            <a:cxnSpLocks noGrp="1" noRot="1" noChangeAspect="1" noMove="1" noResize="1" noEditPoints="1" noAdjustHandles="1" noChangeArrowheads="1" noChangeShapeType="1"/>
-          </p:cNvCxnSpPr>
-          <p:nvPr>
-            <p:extLst>
-              <p:ext uri="{386F3935-93C4-4BCD-93E2-E3B085C9AB24}">
-                <p16:designElem xmlns:p16="http://schemas.microsoft.com/office/powerpoint/2015/main" val="1"/>
-              </p:ext>
-            </p:extLst>
-          </p:nvPr>
-        </p:nvCxnSpPr>
-        <p:spPr>
-          <a:xfrm>
-            <a:off x="8689621" y="3610394"/>
-            <a:ext cx="0" cy="3238728"/>
-          </a:xfrm>
-          <a:prstGeom prst="line">
-            <a:avLst/>
-          </a:prstGeom>
-          <a:ln w="25400" cap="sq">
-            <a:gradFill flip="none" rotWithShape="1">
-              <a:gsLst>
-                <a:gs pos="0">
-                  <a:schemeClr val="accent1"/>
-                </a:gs>
-                <a:gs pos="100000">
-                  <a:schemeClr val="accent2"/>
-                </a:gs>
-              </a:gsLst>
-              <a:lin ang="5400000" scaled="0"/>
-              <a:tileRect/>
-            </a:gradFill>
-            <a:bevel/>
-          </a:ln>
-        </p:spPr>
-        <p:style>
-          <a:lnRef idx="1">
-            <a:schemeClr val="accent1"/>
-          </a:lnRef>
-          <a:fillRef idx="0">
-            <a:schemeClr val="accent1"/>
-          </a:fillRef>
-          <a:effectRef idx="0">
-            <a:schemeClr val="accent1"/>
-          </a:effectRef>
-          <a:fontRef idx="minor">
-            <a:schemeClr val="tx1"/>
-          </a:fontRef>
-        </p:style>
-      </p:cxnSp>
-    </p:spTree>
-  </p:cSld>
-  <p:clrMapOvr>
-    <a:masterClrMapping/>
-  </p:clrMapOvr>
-</p:sld>
-</file>
-
-<file path=ppt/slides/slide4.xml><?xml version="1.0" encoding="utf-8"?>
-<p:sld xmlns:a="http://schemas.openxmlformats.org/drawingml/2006/main" xmlns:r="http://schemas.openxmlformats.org/officeDocument/2006/relationships" xmlns:p="http://schemas.openxmlformats.org/presentationml/2006/main">
-  <p:cSld>
-    <p:bg>
-      <p:bgPr>
-        <a:solidFill>
-          <a:schemeClr val="bg1"/>
-        </a:solidFill>
-        <a:effectLst/>
-      </p:bgPr>
-    </p:bg>
-    <p:spTree>
-      <p:nvGrpSpPr>
-        <p:cNvPr id="1" name=""/>
-        <p:cNvGrpSpPr/>
-        <p:nvPr/>
-      </p:nvGrpSpPr>
-      <p:grpSpPr>
-        <a:xfrm>
-          <a:off x="0" y="0"/>
-          <a:ext cx="0" cy="0"/>
-          <a:chOff x="0" y="0"/>
-          <a:chExt cx="0" cy="0"/>
-        </a:xfrm>
-      </p:grpSpPr>
-      <p:sp useBgFill="1">
-        <p:nvSpPr>
-          <p:cNvPr id="8" name="Rectangle 7">
-            <a:extLst>
-              <a:ext uri="{FF2B5EF4-FFF2-40B4-BE49-F238E27FC236}">
-                <a16:creationId xmlns:a16="http://schemas.microsoft.com/office/drawing/2014/main" id="{A2679492-7988-4050-9056-542444452411}"/>
-              </a:ext>
-              <a:ext uri="{C183D7F6-B498-43B3-948B-1728B52AA6E4}">
-                <adec:decorative xmlns:adec="http://schemas.microsoft.com/office/drawing/2017/decorative" val="1"/>
-              </a:ext>
-            </a:extLst>
-          </p:cNvPr>
-          <p:cNvSpPr>
-            <a:spLocks noGrp="1" noRot="1" noChangeAspect="1" noMove="1" noResize="1" noEditPoints="1" noAdjustHandles="1" noChangeArrowheads="1" noChangeShapeType="1" noTextEdit="1"/>
-          </p:cNvSpPr>
-          <p:nvPr>
-            <p:extLst>
-              <p:ext uri="{386F3935-93C4-4BCD-93E2-E3B085C9AB24}">
-                <p16:designElem xmlns:p16="http://schemas.microsoft.com/office/powerpoint/2015/main" val="1"/>
-              </p:ext>
-            </p:extLst>
-          </p:nvPr>
-        </p:nvSpPr>
-        <p:spPr>
-          <a:xfrm>
-            <a:off x="0" y="0"/>
-            <a:ext cx="9144000" cy="6858000"/>
-          </a:xfrm>
-          <a:prstGeom prst="rect">
-            <a:avLst/>
-          </a:prstGeom>
-          <a:ln>
-            <a:noFill/>
-          </a:ln>
-        </p:spPr>
-        <p:style>
-          <a:lnRef idx="2">
-            <a:schemeClr val="accent1">
-              <a:shade val="50000"/>
-            </a:schemeClr>
-          </a:lnRef>
-          <a:fillRef idx="1">
-            <a:schemeClr val="accent1"/>
-          </a:fillRef>
-          <a:effectRef idx="0">
-            <a:schemeClr val="accent1"/>
-          </a:effectRef>
-          <a:fontRef idx="minor">
-            <a:schemeClr val="lt1"/>
-          </a:fontRef>
-        </p:style>
-        <p:txBody>
-          <a:bodyPr rtlCol="0" anchor="ctr"/>
-          <a:lstStyle/>
-          <a:p>
-            <a:pPr algn="ctr"/>
-            <a:endParaRPr lang="en-US"/>
-          </a:p>
-        </p:txBody>
-      </p:sp>
-      <p:sp>
-        <p:nvSpPr>
-          <p:cNvPr id="10" name="Rectangle 9">
-            <a:extLst>
-              <a:ext uri="{FF2B5EF4-FFF2-40B4-BE49-F238E27FC236}">
-                <a16:creationId xmlns:a16="http://schemas.microsoft.com/office/drawing/2014/main" id="{B091B163-7D61-4891-ABCF-5C13D9C418D0}"/>
-              </a:ext>
-              <a:ext uri="{C183D7F6-B498-43B3-948B-1728B52AA6E4}">
-                <adec:decorative xmlns:adec="http://schemas.microsoft.com/office/drawing/2017/decorative" val="1"/>
-              </a:ext>
-            </a:extLst>
-          </p:cNvPr>
-          <p:cNvSpPr>
-            <a:spLocks noGrp="1" noRot="1" noChangeAspect="1" noMove="1" noResize="1" noEditPoints="1" noAdjustHandles="1" noChangeArrowheads="1" noChangeShapeType="1" noTextEdit="1"/>
-          </p:cNvSpPr>
-          <p:nvPr>
-            <p:extLst>
-              <p:ext uri="{386F3935-93C4-4BCD-93E2-E3B085C9AB24}">
-                <p16:designElem xmlns:p16="http://schemas.microsoft.com/office/powerpoint/2015/main" val="1"/>
-              </p:ext>
-            </p:extLst>
-          </p:nvPr>
-        </p:nvSpPr>
-        <p:spPr>
-          <a:xfrm>
-            <a:off x="0" y="0"/>
-            <a:ext cx="4334933" cy="6858000"/>
-          </a:xfrm>
-          <a:prstGeom prst="rect">
-            <a:avLst/>
-          </a:prstGeom>
-          <a:gradFill flip="none" rotWithShape="1">
-            <a:gsLst>
-              <a:gs pos="0">
-                <a:schemeClr val="accent1"/>
-              </a:gs>
-              <a:gs pos="100000">
-                <a:schemeClr val="accent2"/>
-              </a:gs>
-            </a:gsLst>
-            <a:lin ang="2700000" scaled="1"/>
-            <a:tileRect/>
-          </a:gradFill>
-          <a:ln>
-            <a:noFill/>
-          </a:ln>
-        </p:spPr>
-        <p:style>
-          <a:lnRef idx="2">
-            <a:schemeClr val="accent1">
-              <a:shade val="50000"/>
-            </a:schemeClr>
-          </a:lnRef>
-          <a:fillRef idx="1">
-            <a:schemeClr val="accent1"/>
-          </a:fillRef>
-          <a:effectRef idx="0">
-            <a:schemeClr val="accent1"/>
-          </a:effectRef>
-          <a:fontRef idx="minor">
-            <a:schemeClr val="lt1"/>
-          </a:fontRef>
-        </p:style>
-        <p:txBody>
-          <a:bodyPr rtlCol="0" anchor="ctr"/>
-          <a:lstStyle/>
-          <a:p>
-            <a:pPr algn="ctr"/>
-            <a:endParaRPr lang="en-US">
-              <a:solidFill>
-                <a:schemeClr val="tx1"/>
-              </a:solidFill>
-            </a:endParaRPr>
-          </a:p>
-        </p:txBody>
-      </p:sp>
-      <p:sp>
-        <p:nvSpPr>
-          <p:cNvPr id="2" name="Title 1"/>
-          <p:cNvSpPr>
-            <a:spLocks noGrp="1"/>
-          </p:cNvSpPr>
-          <p:nvPr>
-            <p:ph type="title"/>
-          </p:nvPr>
-        </p:nvSpPr>
-        <p:spPr>
-          <a:xfrm>
-            <a:off x="891051" y="381935"/>
-            <a:ext cx="3006438" cy="5974414"/>
-          </a:xfrm>
-        </p:spPr>
-        <p:txBody>
-          <a:bodyPr anchor="ctr">
-            <a:normAutofit/>
-          </a:bodyPr>
-          <a:lstStyle/>
-          <a:p>
-            <a:r>
-              <a:rPr lang="en-US" sz="6000">
-                <a:solidFill>
-                  <a:srgbClr val="FFFFFF"/>
-                </a:solidFill>
-              </a:rPr>
-              <a:t>Data Cleaning</a:t>
-            </a:r>
-          </a:p>
-        </p:txBody>
-      </p:sp>
-      <p:grpSp>
-        <p:nvGrpSpPr>
-          <p:cNvPr id="12" name="Group 11">
-            <a:extLst>
-              <a:ext uri="{FF2B5EF4-FFF2-40B4-BE49-F238E27FC236}">
-                <a16:creationId xmlns:a16="http://schemas.microsoft.com/office/drawing/2014/main" id="{0474DF76-993E-44DE-AFB0-C416182ACECF}"/>
-              </a:ext>
-              <a:ext uri="{C183D7F6-B498-43B3-948B-1728B52AA6E4}">
-                <adec:decorative xmlns:adec="http://schemas.microsoft.com/office/drawing/2017/decorative" val="1"/>
-              </a:ext>
-            </a:extLst>
-          </p:cNvPr>
-          <p:cNvGrpSpPr>
-            <a:grpSpLocks noGrp="1" noUngrp="1" noRot="1" noChangeAspect="1" noMove="1" noResize="1"/>
-          </p:cNvGrpSpPr>
-          <p:nvPr>
-            <p:extLst>
-              <p:ext uri="{386F3935-93C4-4BCD-93E2-E3B085C9AB24}">
-                <p16:designElem xmlns:p16="http://schemas.microsoft.com/office/powerpoint/2015/main" val="1"/>
-              </p:ext>
-            </p:extLst>
-          </p:nvPr>
-        </p:nvGrpSpPr>
-        <p:grpSpPr>
-          <a:xfrm>
-            <a:off x="460420" y="554152"/>
-            <a:ext cx="430632" cy="1075866"/>
-            <a:chOff x="613892" y="554152"/>
-            <a:chExt cx="574177" cy="1075866"/>
-          </a:xfrm>
-          <a:solidFill>
-            <a:srgbClr val="FFFFFF"/>
-          </a:solidFill>
-        </p:grpSpPr>
-        <p:sp>
-          <p:nvSpPr>
-            <p:cNvPr id="13" name="Graphic 11">
-              <a:extLst>
-                <a:ext uri="{FF2B5EF4-FFF2-40B4-BE49-F238E27FC236}">
-                  <a16:creationId xmlns:a16="http://schemas.microsoft.com/office/drawing/2014/main" id="{6CB927A4-E432-4310-9CD5-E89FF5063179}"/>
-                </a:ext>
-                <a:ext uri="{C183D7F6-B498-43B3-948B-1728B52AA6E4}">
-                  <adec:decorative xmlns:adec="http://schemas.microsoft.com/office/drawing/2017/decorative" val="1"/>
-                </a:ext>
-              </a:extLst>
-            </p:cNvPr>
-            <p:cNvSpPr/>
-            <p:nvPr>
-              <p:extLst>
-                <p:ext uri="{386F3935-93C4-4BCD-93E2-E3B085C9AB24}">
-                  <p16:designElem xmlns:p16="http://schemas.microsoft.com/office/powerpoint/2015/main" val="1"/>
-                </p:ext>
-              </p:extLst>
-            </p:nvPr>
-          </p:nvSpPr>
-          <p:spPr>
-            <a:xfrm>
-              <a:off x="633061" y="554152"/>
-              <a:ext cx="171515" cy="171515"/>
-            </a:xfrm>
-            <a:custGeom>
-              <a:avLst/>
-              <a:gdLst>
-                <a:gd name="connsiteX0" fmla="*/ 159874 w 171515"/>
-                <a:gd name="connsiteY0" fmla="*/ 74116 h 171515"/>
-                <a:gd name="connsiteX1" fmla="*/ 97399 w 171515"/>
-                <a:gd name="connsiteY1" fmla="*/ 74116 h 171515"/>
-                <a:gd name="connsiteX2" fmla="*/ 97399 w 171515"/>
-                <a:gd name="connsiteY2" fmla="*/ 11641 h 171515"/>
-                <a:gd name="connsiteX3" fmla="*/ 85758 w 171515"/>
-                <a:gd name="connsiteY3" fmla="*/ 0 h 171515"/>
-                <a:gd name="connsiteX4" fmla="*/ 74116 w 171515"/>
-                <a:gd name="connsiteY4" fmla="*/ 11641 h 171515"/>
-                <a:gd name="connsiteX5" fmla="*/ 74116 w 171515"/>
-                <a:gd name="connsiteY5" fmla="*/ 74116 h 171515"/>
-                <a:gd name="connsiteX6" fmla="*/ 11641 w 171515"/>
-                <a:gd name="connsiteY6" fmla="*/ 74116 h 171515"/>
-                <a:gd name="connsiteX7" fmla="*/ 0 w 171515"/>
-                <a:gd name="connsiteY7" fmla="*/ 85758 h 171515"/>
-                <a:gd name="connsiteX8" fmla="*/ 11641 w 171515"/>
-                <a:gd name="connsiteY8" fmla="*/ 97399 h 171515"/>
-                <a:gd name="connsiteX9" fmla="*/ 74116 w 171515"/>
-                <a:gd name="connsiteY9" fmla="*/ 97399 h 171515"/>
-                <a:gd name="connsiteX10" fmla="*/ 74116 w 171515"/>
-                <a:gd name="connsiteY10" fmla="*/ 159874 h 171515"/>
-                <a:gd name="connsiteX11" fmla="*/ 85758 w 171515"/>
-                <a:gd name="connsiteY11" fmla="*/ 171515 h 171515"/>
-                <a:gd name="connsiteX12" fmla="*/ 97399 w 171515"/>
-                <a:gd name="connsiteY12" fmla="*/ 159874 h 171515"/>
-                <a:gd name="connsiteX13" fmla="*/ 97399 w 171515"/>
-                <a:gd name="connsiteY13" fmla="*/ 97399 h 171515"/>
-                <a:gd name="connsiteX14" fmla="*/ 159874 w 171515"/>
-                <a:gd name="connsiteY14" fmla="*/ 97399 h 171515"/>
-                <a:gd name="connsiteX15" fmla="*/ 171515 w 171515"/>
-                <a:gd name="connsiteY15" fmla="*/ 85758 h 171515"/>
-                <a:gd name="connsiteX16" fmla="*/ 159874 w 171515"/>
-                <a:gd name="connsiteY16" fmla="*/ 74116 h 171515"/>
-              </a:gdLst>
-              <a:ahLst/>
-              <a:cxnLst>
-                <a:cxn ang="0">
-                  <a:pos x="connsiteX0" y="connsiteY0"/>
-                </a:cxn>
-                <a:cxn ang="0">
-                  <a:pos x="connsiteX1" y="connsiteY1"/>
-                </a:cxn>
-                <a:cxn ang="0">
-                  <a:pos x="connsiteX2" y="connsiteY2"/>
-                </a:cxn>
-                <a:cxn ang="0">
-                  <a:pos x="connsiteX3" y="connsiteY3"/>
-                </a:cxn>
-                <a:cxn ang="0">
-                  <a:pos x="connsiteX4" y="connsiteY4"/>
-                </a:cxn>
-                <a:cxn ang="0">
-                  <a:pos x="connsiteX5" y="connsiteY5"/>
-                </a:cxn>
-                <a:cxn ang="0">
-                  <a:pos x="connsiteX6" y="connsiteY6"/>
-                </a:cxn>
-                <a:cxn ang="0">
-                  <a:pos x="connsiteX7" y="connsiteY7"/>
-                </a:cxn>
-                <a:cxn ang="0">
-                  <a:pos x="connsiteX8" y="connsiteY8"/>
-                </a:cxn>
-                <a:cxn ang="0">
-                  <a:pos x="connsiteX9" y="connsiteY9"/>
-                </a:cxn>
-                <a:cxn ang="0">
-                  <a:pos x="connsiteX10" y="connsiteY10"/>
-                </a:cxn>
-                <a:cxn ang="0">
-                  <a:pos x="connsiteX11" y="connsiteY11"/>
-                </a:cxn>
-                <a:cxn ang="0">
-                  <a:pos x="connsiteX12" y="connsiteY12"/>
-                </a:cxn>
-                <a:cxn ang="0">
-                  <a:pos x="connsiteX13" y="connsiteY13"/>
-                </a:cxn>
-                <a:cxn ang="0">
-                  <a:pos x="connsiteX14" y="connsiteY14"/>
-                </a:cxn>
-                <a:cxn ang="0">
-                  <a:pos x="connsiteX15" y="connsiteY15"/>
-                </a:cxn>
-                <a:cxn ang="0">
-                  <a:pos x="connsiteX16" y="connsiteY16"/>
-                </a:cxn>
-              </a:cxnLst>
-              <a:rect l="l" t="t" r="r" b="b"/>
-              <a:pathLst>
-                <a:path w="171515" h="171515">
-                  <a:moveTo>
-                    <a:pt x="159874" y="74116"/>
-                  </a:moveTo>
-                  <a:lnTo>
-                    <a:pt x="97399" y="74116"/>
-                  </a:lnTo>
-                  <a:lnTo>
-                    <a:pt x="97399" y="11641"/>
-                  </a:lnTo>
-                  <a:cubicBezTo>
-                    <a:pt x="97399" y="5212"/>
-                    <a:pt x="92187" y="0"/>
-                    <a:pt x="85758" y="0"/>
-                  </a:cubicBezTo>
-                  <a:cubicBezTo>
-                    <a:pt x="79328" y="0"/>
-                    <a:pt x="74116" y="5212"/>
-                    <a:pt x="74116" y="11641"/>
-                  </a:cubicBezTo>
-                  <a:lnTo>
-                    <a:pt x="74116" y="74116"/>
-                  </a:lnTo>
-                  <a:lnTo>
-                    <a:pt x="11641" y="74116"/>
-                  </a:lnTo>
-                  <a:cubicBezTo>
-                    <a:pt x="5212" y="74116"/>
-                    <a:pt x="0" y="79328"/>
-                    <a:pt x="0" y="85758"/>
-                  </a:cubicBezTo>
-                  <a:cubicBezTo>
-                    <a:pt x="0" y="92187"/>
-                    <a:pt x="5212" y="97399"/>
-                    <a:pt x="11641" y="97399"/>
-                  </a:cubicBezTo>
-                  <a:lnTo>
-                    <a:pt x="74116" y="97399"/>
-                  </a:lnTo>
-                  <a:lnTo>
-                    <a:pt x="74116" y="159874"/>
-                  </a:lnTo>
-                  <a:cubicBezTo>
-                    <a:pt x="74116" y="166303"/>
-                    <a:pt x="79328" y="171515"/>
-                    <a:pt x="85758" y="171515"/>
-                  </a:cubicBezTo>
-                  <a:cubicBezTo>
-                    <a:pt x="92187" y="171515"/>
-                    <a:pt x="97399" y="166303"/>
-                    <a:pt x="97399" y="159874"/>
-                  </a:cubicBezTo>
-                  <a:lnTo>
-                    <a:pt x="97399" y="97399"/>
-                  </a:lnTo>
-                  <a:lnTo>
-                    <a:pt x="159874" y="97399"/>
-                  </a:lnTo>
-                  <a:cubicBezTo>
-                    <a:pt x="166303" y="97399"/>
-                    <a:pt x="171515" y="92187"/>
-                    <a:pt x="171515" y="85758"/>
-                  </a:cubicBezTo>
-                  <a:cubicBezTo>
-                    <a:pt x="171515" y="79328"/>
-                    <a:pt x="166303" y="74116"/>
-                    <a:pt x="159874" y="74116"/>
-                  </a:cubicBezTo>
-                  <a:close/>
-                </a:path>
-              </a:pathLst>
-            </a:custGeom>
-            <a:grpFill/>
-            <a:ln w="776" cap="flat">
-              <a:noFill/>
-              <a:prstDash val="solid"/>
-              <a:miter/>
-            </a:ln>
-          </p:spPr>
-          <p:txBody>
-            <a:bodyPr rtlCol="0" anchor="ctr"/>
-            <a:lstStyle/>
-            <a:p>
-              <a:endParaRPr lang="en-US"/>
-            </a:p>
-          </p:txBody>
-        </p:sp>
-        <p:sp>
-          <p:nvSpPr>
-            <p:cNvPr id="14" name="Graphic 10">
-              <a:extLst>
-                <a:ext uri="{FF2B5EF4-FFF2-40B4-BE49-F238E27FC236}">
-                  <a16:creationId xmlns:a16="http://schemas.microsoft.com/office/drawing/2014/main" id="{E3020543-B24B-4EC4-8FFC-8DD88EEA91A8}"/>
-                </a:ext>
-                <a:ext uri="{C183D7F6-B498-43B3-948B-1728B52AA6E4}">
-                  <adec:decorative xmlns:adec="http://schemas.microsoft.com/office/drawing/2017/decorative" val="1"/>
-                </a:ext>
-              </a:extLst>
-            </p:cNvPr>
-            <p:cNvSpPr/>
-            <p:nvPr>
-              <p:extLst>
-                <p:ext uri="{386F3935-93C4-4BCD-93E2-E3B085C9AB24}">
-                  <p16:designElem xmlns:p16="http://schemas.microsoft.com/office/powerpoint/2015/main" val="1"/>
-                </p:ext>
-              </p:extLst>
-            </p:nvPr>
-          </p:nvSpPr>
-          <p:spPr>
-            <a:xfrm>
-              <a:off x="1075643" y="837005"/>
-              <a:ext cx="112426" cy="112426"/>
-            </a:xfrm>
-            <a:custGeom>
-              <a:avLst/>
-              <a:gdLst>
-                <a:gd name="connsiteX0" fmla="*/ 112426 w 112426"/>
-                <a:gd name="connsiteY0" fmla="*/ 56213 h 112426"/>
-                <a:gd name="connsiteX1" fmla="*/ 56213 w 112426"/>
-                <a:gd name="connsiteY1" fmla="*/ 112426 h 112426"/>
-                <a:gd name="connsiteX2" fmla="*/ 0 w 112426"/>
-                <a:gd name="connsiteY2" fmla="*/ 56213 h 112426"/>
-                <a:gd name="connsiteX3" fmla="*/ 56213 w 112426"/>
-                <a:gd name="connsiteY3" fmla="*/ 0 h 112426"/>
-                <a:gd name="connsiteX4" fmla="*/ 112426 w 112426"/>
-                <a:gd name="connsiteY4" fmla="*/ 56213 h 112426"/>
-              </a:gdLst>
-              <a:ahLst/>
-              <a:cxnLst>
-                <a:cxn ang="0">
-                  <a:pos x="connsiteX0" y="connsiteY0"/>
-                </a:cxn>
-                <a:cxn ang="0">
-                  <a:pos x="connsiteX1" y="connsiteY1"/>
-                </a:cxn>
-                <a:cxn ang="0">
-                  <a:pos x="connsiteX2" y="connsiteY2"/>
-                </a:cxn>
-                <a:cxn ang="0">
-                  <a:pos x="connsiteX3" y="connsiteY3"/>
-                </a:cxn>
-                <a:cxn ang="0">
-                  <a:pos x="connsiteX4" y="connsiteY4"/>
-                </a:cxn>
-              </a:cxnLst>
-              <a:rect l="l" t="t" r="r" b="b"/>
-              <a:pathLst>
-                <a:path w="112426" h="112426">
-                  <a:moveTo>
-                    <a:pt x="112426" y="56213"/>
-                  </a:moveTo>
-                  <a:cubicBezTo>
-                    <a:pt x="112426" y="87259"/>
-                    <a:pt x="87259" y="112426"/>
-                    <a:pt x="56213" y="112426"/>
-                  </a:cubicBezTo>
-                  <a:cubicBezTo>
-                    <a:pt x="25167" y="112426"/>
-                    <a:pt x="0" y="87259"/>
-                    <a:pt x="0" y="56213"/>
-                  </a:cubicBezTo>
-                  <a:cubicBezTo>
-                    <a:pt x="0" y="25167"/>
-                    <a:pt x="25167" y="0"/>
-                    <a:pt x="56213" y="0"/>
-                  </a:cubicBezTo>
-                  <a:cubicBezTo>
-                    <a:pt x="87259" y="0"/>
-                    <a:pt x="112426" y="25167"/>
-                    <a:pt x="112426" y="56213"/>
-                  </a:cubicBezTo>
-                  <a:close/>
-                </a:path>
-              </a:pathLst>
-            </a:custGeom>
-            <a:grpFill/>
-            <a:ln w="516" cap="flat">
-              <a:noFill/>
-              <a:prstDash val="solid"/>
-              <a:miter/>
-            </a:ln>
-          </p:spPr>
-          <p:txBody>
-            <a:bodyPr rtlCol="0" anchor="ctr"/>
-            <a:lstStyle/>
-            <a:p>
-              <a:endParaRPr lang="en-US"/>
-            </a:p>
-          </p:txBody>
-        </p:sp>
-        <p:sp>
-          <p:nvSpPr>
-            <p:cNvPr id="15" name="Graphic 12">
-              <a:extLst>
-                <a:ext uri="{FF2B5EF4-FFF2-40B4-BE49-F238E27FC236}">
-                  <a16:creationId xmlns:a16="http://schemas.microsoft.com/office/drawing/2014/main" id="{1453BF6C-B012-48B7-B4E8-6D7AC7C27D02}"/>
-                </a:ext>
-                <a:ext uri="{C183D7F6-B498-43B3-948B-1728B52AA6E4}">
-                  <adec:decorative xmlns:adec="http://schemas.microsoft.com/office/drawing/2017/decorative" val="1"/>
-                </a:ext>
-              </a:extLst>
-            </p:cNvPr>
-            <p:cNvSpPr/>
-            <p:nvPr>
-              <p:extLst>
-                <p:ext uri="{386F3935-93C4-4BCD-93E2-E3B085C9AB24}">
-                  <p16:designElem xmlns:p16="http://schemas.microsoft.com/office/powerpoint/2015/main" val="1"/>
-                </p:ext>
-              </p:extLst>
-            </p:nvPr>
-          </p:nvSpPr>
-          <p:spPr>
-            <a:xfrm>
-              <a:off x="613892" y="1472473"/>
-              <a:ext cx="157545" cy="157545"/>
-            </a:xfrm>
-            <a:custGeom>
-              <a:avLst/>
-              <a:gdLst>
-                <a:gd name="connsiteX0" fmla="*/ 78773 w 157545"/>
-                <a:gd name="connsiteY0" fmla="*/ 23283 h 157545"/>
-                <a:gd name="connsiteX1" fmla="*/ 134262 w 157545"/>
-                <a:gd name="connsiteY1" fmla="*/ 78773 h 157545"/>
-                <a:gd name="connsiteX2" fmla="*/ 78773 w 157545"/>
-                <a:gd name="connsiteY2" fmla="*/ 134262 h 157545"/>
-                <a:gd name="connsiteX3" fmla="*/ 23283 w 157545"/>
-                <a:gd name="connsiteY3" fmla="*/ 78773 h 157545"/>
-                <a:gd name="connsiteX4" fmla="*/ 78773 w 157545"/>
-                <a:gd name="connsiteY4" fmla="*/ 23283 h 157545"/>
-                <a:gd name="connsiteX5" fmla="*/ 78773 w 157545"/>
-                <a:gd name="connsiteY5" fmla="*/ 0 h 157545"/>
-                <a:gd name="connsiteX6" fmla="*/ 0 w 157545"/>
-                <a:gd name="connsiteY6" fmla="*/ 78773 h 157545"/>
-                <a:gd name="connsiteX7" fmla="*/ 78773 w 157545"/>
-                <a:gd name="connsiteY7" fmla="*/ 157545 h 157545"/>
-                <a:gd name="connsiteX8" fmla="*/ 157545 w 157545"/>
-                <a:gd name="connsiteY8" fmla="*/ 78773 h 157545"/>
-                <a:gd name="connsiteX9" fmla="*/ 78773 w 157545"/>
-                <a:gd name="connsiteY9" fmla="*/ 0 h 157545"/>
-              </a:gdLst>
-              <a:ahLst/>
-              <a:cxnLst>
-                <a:cxn ang="0">
-                  <a:pos x="connsiteX0" y="connsiteY0"/>
-                </a:cxn>
-                <a:cxn ang="0">
-                  <a:pos x="connsiteX1" y="connsiteY1"/>
-                </a:cxn>
-                <a:cxn ang="0">
-                  <a:pos x="connsiteX2" y="connsiteY2"/>
-                </a:cxn>
-                <a:cxn ang="0">
-                  <a:pos x="connsiteX3" y="connsiteY3"/>
-                </a:cxn>
-                <a:cxn ang="0">
-                  <a:pos x="connsiteX4" y="connsiteY4"/>
-                </a:cxn>
-                <a:cxn ang="0">
-                  <a:pos x="connsiteX5" y="connsiteY5"/>
-                </a:cxn>
-                <a:cxn ang="0">
-                  <a:pos x="connsiteX6" y="connsiteY6"/>
-                </a:cxn>
-                <a:cxn ang="0">
-                  <a:pos x="connsiteX7" y="connsiteY7"/>
-                </a:cxn>
-                <a:cxn ang="0">
-                  <a:pos x="connsiteX8" y="connsiteY8"/>
-                </a:cxn>
-                <a:cxn ang="0">
-                  <a:pos x="connsiteX9" y="connsiteY9"/>
-                </a:cxn>
-              </a:cxnLst>
-              <a:rect l="l" t="t" r="r" b="b"/>
-              <a:pathLst>
-                <a:path w="157545" h="157545">
-                  <a:moveTo>
-                    <a:pt x="78773" y="23283"/>
-                  </a:moveTo>
-                  <a:cubicBezTo>
-                    <a:pt x="109419" y="23283"/>
-                    <a:pt x="134262" y="48126"/>
-                    <a:pt x="134262" y="78773"/>
-                  </a:cubicBezTo>
-                  <a:cubicBezTo>
-                    <a:pt x="134262" y="109419"/>
-                    <a:pt x="109419" y="134262"/>
-                    <a:pt x="78773" y="134262"/>
-                  </a:cubicBezTo>
-                  <a:cubicBezTo>
-                    <a:pt x="48126" y="134262"/>
-                    <a:pt x="23283" y="109419"/>
-                    <a:pt x="23283" y="78773"/>
-                  </a:cubicBezTo>
-                  <a:cubicBezTo>
-                    <a:pt x="23312" y="48139"/>
-                    <a:pt x="48139" y="23312"/>
-                    <a:pt x="78773" y="23283"/>
-                  </a:cubicBezTo>
-                  <a:moveTo>
-                    <a:pt x="78773" y="0"/>
-                  </a:moveTo>
-                  <a:cubicBezTo>
-                    <a:pt x="35268" y="0"/>
-                    <a:pt x="0" y="35268"/>
-                    <a:pt x="0" y="78773"/>
-                  </a:cubicBezTo>
-                  <a:cubicBezTo>
-                    <a:pt x="0" y="122277"/>
-                    <a:pt x="35268" y="157545"/>
-                    <a:pt x="78773" y="157545"/>
-                  </a:cubicBezTo>
-                  <a:cubicBezTo>
-                    <a:pt x="122277" y="157545"/>
-                    <a:pt x="157545" y="122277"/>
-                    <a:pt x="157545" y="78773"/>
-                  </a:cubicBezTo>
-                  <a:cubicBezTo>
-                    <a:pt x="157545" y="35268"/>
-                    <a:pt x="122277" y="0"/>
-                    <a:pt x="78773" y="0"/>
-                  </a:cubicBezTo>
-                  <a:close/>
-                </a:path>
-              </a:pathLst>
-            </a:custGeom>
-            <a:grpFill/>
-            <a:ln w="751" cap="flat">
-              <a:noFill/>
-              <a:prstDash val="solid"/>
-              <a:miter/>
-            </a:ln>
-          </p:spPr>
-          <p:txBody>
-            <a:bodyPr rtlCol="0" anchor="ctr"/>
-            <a:lstStyle/>
-            <a:p>
-              <a:endParaRPr lang="en-US"/>
-            </a:p>
-          </p:txBody>
-        </p:sp>
-      </p:grpSp>
-      <p:sp>
-        <p:nvSpPr>
-          <p:cNvPr id="3" name="Content Placeholder 2"/>
-          <p:cNvSpPr>
-            <a:spLocks noGrp="1"/>
-          </p:cNvSpPr>
-          <p:nvPr>
-            <p:ph idx="1"/>
-          </p:nvPr>
-        </p:nvSpPr>
-        <p:spPr>
-          <a:xfrm>
-            <a:off x="4722924" y="518400"/>
-            <a:ext cx="3578706" cy="5837949"/>
-          </a:xfrm>
-        </p:spPr>
-        <p:txBody>
-          <a:bodyPr anchor="ctr">
-            <a:normAutofit/>
-          </a:bodyPr>
-          <a:lstStyle/>
-          <a:p>
-            <a:r>
-              <a:rPr lang="en-US" sz="1700">
-                <a:solidFill>
-                  <a:schemeClr val="tx1">
-                    <a:alpha val="80000"/>
-                  </a:schemeClr>
-                </a:solidFill>
-              </a:rPr>
-              <a:t>- Converted dates to datetime</a:t>
-            </a:r>
-          </a:p>
-          <a:p>
-            <a:r>
-              <a:rPr lang="en-US" sz="1700">
-                <a:solidFill>
-                  <a:schemeClr val="tx1">
-                    <a:alpha val="80000"/>
-                  </a:schemeClr>
-                </a:solidFill>
-              </a:rPr>
-              <a:t>- Removed impossible dates (DOBs &lt; 1900)</a:t>
-            </a:r>
-          </a:p>
-          <a:p>
-            <a:r>
-              <a:rPr lang="en-US" sz="1700">
-                <a:solidFill>
-                  <a:schemeClr val="tx1">
-                    <a:alpha val="80000"/>
-                  </a:schemeClr>
-                </a:solidFill>
-              </a:rPr>
-              <a:t>- Calculated patient age</a:t>
-            </a:r>
-          </a:p>
-          <a:p>
-            <a:r>
-              <a:rPr lang="en-US" sz="1700">
-                <a:solidFill>
-                  <a:schemeClr val="tx1">
-                    <a:alpha val="80000"/>
-                  </a:schemeClr>
-                </a:solidFill>
-              </a:rPr>
-              <a:t>- Filtered age to realistic ranges (0–120)</a:t>
             </a:r>
           </a:p>
         </p:txBody>
@@ -10340,12 +11341,12 @@
           <a:lstStyle/>
           <a:p>
             <a:r>
-              <a:rPr lang="en-US">
+              <a:rPr lang="en-US" sz="6000">
                 <a:solidFill>
                   <a:srgbClr val="FFFFFF"/>
                 </a:solidFill>
               </a:rPr>
-              <a:t>Exploratory Data Analysis (EDA)</a:t>
+              <a:t>Data Cleaning</a:t>
             </a:r>
           </a:p>
         </p:txBody>
@@ -10876,7 +11877,7 @@
                   </a:schemeClr>
                 </a:solidFill>
               </a:rPr>
-              <a:t>- Age distribution analyzed</a:t>
+              <a:t>- Converted dates to datetime</a:t>
             </a:r>
           </a:p>
           <a:p>
@@ -10888,7 +11889,7 @@
                   </a:schemeClr>
                 </a:solidFill>
               </a:rPr>
-              <a:t>- Gender distribution explored</a:t>
+              <a:t>- Removed impossible dates (DOBs &lt; 1900)</a:t>
             </a:r>
           </a:p>
           <a:p>
@@ -10900,7 +11901,19 @@
                   </a:schemeClr>
                 </a:solidFill>
               </a:rPr>
-              <a:t>- Hospital mortality rate calculated</a:t>
+              <a:t>- Calculated patient age</a:t>
+            </a:r>
+          </a:p>
+          <a:p>
+            <a:r>
+              <a:rPr lang="en-US" sz="1700">
+                <a:solidFill>
+                  <a:schemeClr val="tx1">
+                    <a:alpha val="80000"/>
+                  </a:schemeClr>
+                </a:solidFill>
+              </a:rPr>
+              <a:t>- Filtered age to realistic ranges (0–120)</a:t>
             </a:r>
           </a:p>
         </p:txBody>
@@ -11164,7 +12177,7 @@
                   <a:srgbClr val="FFFFFF"/>
                 </a:solidFill>
               </a:rPr>
-              <a:t>Feature Engineering</a:t>
+              <a:t>Exploratory Data Analysis (EDA)</a:t>
             </a:r>
           </a:p>
         </p:txBody>
@@ -11695,7 +12708,7 @@
                   </a:schemeClr>
                 </a:solidFill>
               </a:rPr>
-              <a:t>- Features used:</a:t>
+              <a:t>- Age distribution analyzed</a:t>
             </a:r>
           </a:p>
           <a:p>
@@ -11707,7 +12720,7 @@
                   </a:schemeClr>
                 </a:solidFill>
               </a:rPr>
-              <a:t>    • Age</a:t>
+              <a:t>- Gender distribution explored</a:t>
             </a:r>
           </a:p>
           <a:p>
@@ -11719,31 +12732,7 @@
                   </a:schemeClr>
                 </a:solidFill>
               </a:rPr>
-              <a:t>    • Hospital Length of Stay</a:t>
-            </a:r>
-          </a:p>
-          <a:p>
-            <a:r>
-              <a:rPr lang="en-US" sz="1700">
-                <a:solidFill>
-                  <a:schemeClr val="tx1">
-                    <a:alpha val="80000"/>
-                  </a:schemeClr>
-                </a:solidFill>
-              </a:rPr>
-              <a:t>    • ICU Length of Stay</a:t>
-            </a:r>
-          </a:p>
-          <a:p>
-            <a:r>
-              <a:rPr lang="en-US" sz="1700">
-                <a:solidFill>
-                  <a:schemeClr val="tx1">
-                    <a:alpha val="80000"/>
-                  </a:schemeClr>
-                </a:solidFill>
-              </a:rPr>
-              <a:t>- Target: hospital mortality (binary)</a:t>
+              <a:t>- Hospital mortality rate calculated</a:t>
             </a:r>
           </a:p>
         </p:txBody>
@@ -12002,12 +12991,12 @@
           <a:lstStyle/>
           <a:p>
             <a:r>
-              <a:rPr lang="en-US" sz="5400">
+              <a:rPr lang="en-US">
                 <a:solidFill>
                   <a:srgbClr val="FFFFFF"/>
                 </a:solidFill>
               </a:rPr>
-              <a:t>Modeling Approach</a:t>
+              <a:t>Feature Engineering</a:t>
             </a:r>
           </a:p>
         </p:txBody>
@@ -12538,7 +13527,7 @@
                   </a:schemeClr>
                 </a:solidFill>
               </a:rPr>
-              <a:t>- Algorithm: XGBoost</a:t>
+              <a:t>- Features used:</a:t>
             </a:r>
           </a:p>
           <a:p>
@@ -12550,7 +13539,7 @@
                   </a:schemeClr>
                 </a:solidFill>
               </a:rPr>
-              <a:t>- Handles:</a:t>
+              <a:t>    • Age</a:t>
             </a:r>
           </a:p>
           <a:p>
@@ -12562,7 +13551,7 @@
                   </a:schemeClr>
                 </a:solidFill>
               </a:rPr>
-              <a:t>    • Imbalanced data</a:t>
+              <a:t>    • Hospital Length of Stay</a:t>
             </a:r>
           </a:p>
           <a:p>
@@ -12574,7 +13563,7 @@
                   </a:schemeClr>
                 </a:solidFill>
               </a:rPr>
-              <a:t>    • Non-linear relationships</a:t>
+              <a:t>    • ICU Length of Stay</a:t>
             </a:r>
           </a:p>
           <a:p>
@@ -12586,19 +13575,7 @@
                   </a:schemeClr>
                 </a:solidFill>
               </a:rPr>
-              <a:t>- Trained on 80% of data</a:t>
-            </a:r>
-          </a:p>
-          <a:p>
-            <a:r>
-              <a:rPr lang="en-US" sz="1700">
-                <a:solidFill>
-                  <a:schemeClr val="tx1">
-                    <a:alpha val="80000"/>
-                  </a:schemeClr>
-                </a:solidFill>
-              </a:rPr>
-              <a:t>- Tested on 20%</a:t>
+              <a:t>- Target: hospital mortality (binary)</a:t>
             </a:r>
           </a:p>
         </p:txBody>
@@ -12857,12 +13834,12 @@
           <a:lstStyle/>
           <a:p>
             <a:r>
-              <a:rPr lang="en-US" sz="7000">
+              <a:rPr lang="en-US" sz="5400">
                 <a:solidFill>
                   <a:srgbClr val="FFFFFF"/>
                 </a:solidFill>
               </a:rPr>
-              <a:t>Results</a:t>
+              <a:t>Modeling Approach</a:t>
             </a:r>
           </a:p>
         </p:txBody>
@@ -13393,7 +14370,7 @@
                   </a:schemeClr>
                 </a:solidFill>
               </a:rPr>
-              <a:t>- AUC Score: 0.8366</a:t>
+              <a:t>- Algorithm: XGBoost</a:t>
             </a:r>
           </a:p>
           <a:p>
@@ -13405,7 +14382,7 @@
                   </a:schemeClr>
                 </a:solidFill>
               </a:rPr>
-              <a:t>- Feature Importance:</a:t>
+              <a:t>- Handles:</a:t>
             </a:r>
           </a:p>
           <a:p>
@@ -13417,7 +14394,7 @@
                   </a:schemeClr>
                 </a:solidFill>
               </a:rPr>
-              <a:t>    • Age</a:t>
+              <a:t>    • Imbalanced data</a:t>
             </a:r>
           </a:p>
           <a:p>
@@ -13429,7 +14406,31 @@
                   </a:schemeClr>
                 </a:solidFill>
               </a:rPr>
-              <a:t>    • Length of Stay</a:t>
+              <a:t>    • Non-linear relationships</a:t>
+            </a:r>
+          </a:p>
+          <a:p>
+            <a:r>
+              <a:rPr lang="en-US" sz="1700">
+                <a:solidFill>
+                  <a:schemeClr val="tx1">
+                    <a:alpha val="80000"/>
+                  </a:schemeClr>
+                </a:solidFill>
+              </a:rPr>
+              <a:t>- Trained on 80% of data</a:t>
+            </a:r>
+          </a:p>
+          <a:p>
+            <a:r>
+              <a:rPr lang="en-US" sz="1700">
+                <a:solidFill>
+                  <a:schemeClr val="tx1">
+                    <a:alpha val="80000"/>
+                  </a:schemeClr>
+                </a:solidFill>
+              </a:rPr>
+              <a:t>- Tested on 20%</a:t>
             </a:r>
           </a:p>
         </p:txBody>
@@ -13688,12 +14689,12 @@
           <a:lstStyle/>
           <a:p>
             <a:r>
-              <a:rPr lang="en-US">
+              <a:rPr lang="en-US" sz="7000">
                 <a:solidFill>
                   <a:srgbClr val="FFFFFF"/>
                 </a:solidFill>
               </a:rPr>
-              <a:t>Conclusions</a:t>
+              <a:t>Results</a:t>
             </a:r>
           </a:p>
         </p:txBody>
@@ -14217,83 +15218,50 @@
           <a:lstStyle/>
           <a:p>
             <a:r>
-              <a:rPr lang="en-US" sz="1700" dirty="0">
+              <a:rPr lang="en-US" sz="1700">
                 <a:solidFill>
                   <a:schemeClr val="tx1">
                     <a:alpha val="80000"/>
                   </a:schemeClr>
                 </a:solidFill>
               </a:rPr>
-              <a:t>- Predictive modeling feasible</a:t>
-            </a:r>
-          </a:p>
-          <a:p>
-            <a:r>
-              <a:rPr lang="en-US" sz="1700" dirty="0">
+              <a:t>- AUC Score: 0.8366</a:t>
+            </a:r>
+          </a:p>
+          <a:p>
+            <a:r>
+              <a:rPr lang="en-US" sz="1700">
                 <a:solidFill>
                   <a:schemeClr val="tx1">
                     <a:alpha val="80000"/>
                   </a:schemeClr>
                 </a:solidFill>
               </a:rPr>
-              <a:t>- Simple features still useful</a:t>
-            </a:r>
-          </a:p>
-          <a:p>
-            <a:r>
-              <a:rPr lang="en-US" sz="1700" dirty="0">
+              <a:t>- Feature Importance:</a:t>
+            </a:r>
+          </a:p>
+          <a:p>
+            <a:r>
+              <a:rPr lang="en-US" sz="1700">
                 <a:solidFill>
                   <a:schemeClr val="tx1">
                     <a:alpha val="80000"/>
                   </a:schemeClr>
                 </a:solidFill>
               </a:rPr>
-              <a:t>- Next steps:</a:t>
-            </a:r>
-          </a:p>
-          <a:p>
-            <a:pPr marL="400050" lvl="1" indent="0">
-              <a:buNone/>
-            </a:pPr>
-            <a:r>
-              <a:rPr lang="en-US" sz="1300" dirty="0">
+              <a:t>    • Age</a:t>
+            </a:r>
+          </a:p>
+          <a:p>
+            <a:r>
+              <a:rPr lang="en-US" sz="1700">
                 <a:solidFill>
                   <a:schemeClr val="tx1">
                     <a:alpha val="80000"/>
                   </a:schemeClr>
                 </a:solidFill>
               </a:rPr>
-              <a:t>  • Add labs &amp; vitals</a:t>
-            </a:r>
-          </a:p>
-          <a:p>
-            <a:pPr marL="400050" lvl="1" indent="0">
-              <a:buNone/>
-            </a:pPr>
-            <a:r>
-              <a:rPr lang="en-US" sz="1300" dirty="0">
-                <a:solidFill>
-                  <a:schemeClr val="tx1">
-                    <a:alpha val="80000"/>
-                  </a:schemeClr>
-                </a:solidFill>
-              </a:rPr>
-              <a:t>  • Hyperparameter tuning</a:t>
-            </a:r>
-          </a:p>
-          <a:p>
-            <a:pPr marL="400050" lvl="1" indent="0">
-              <a:buNone/>
-            </a:pPr>
-            <a:r>
-              <a:rPr lang="en-US" sz="1300" dirty="0">
-                <a:solidFill>
-                  <a:schemeClr val="tx1">
-                    <a:alpha val="80000"/>
-                  </a:schemeClr>
-                </a:solidFill>
-              </a:rPr>
-              <a:t>  • Test other models</a:t>
+              <a:t>    • Length of Stay</a:t>
             </a:r>
           </a:p>
         </p:txBody>
